--- a/ProjectHealthPPT.pptx
+++ b/ProjectHealthPPT.pptx
@@ -108,6 +108,11 @@
       </a:defRPr>
     </a:lvl9pPr>
   </p:defaultTextStyle>
+  <p:extLst>
+    <p:ext uri="{EFAFB233-063F-42B5-8137-9DF3F51BA10A}">
+      <p15:sldGuideLst xmlns:p15="http://schemas.microsoft.com/office/powerpoint/2012/main"/>
+    </p:ext>
+  </p:extLst>
 </p:presentation>
 </file>
 
@@ -193,7 +198,7 @@
           <a:p>
             <a:fld id="{A3223976-33E3-D248-BAF5-5B38B964CEC8}" type="datetimeFigureOut">
               <a:rPr lang="en-US" smtClean="0"/>
-              <a:t>9/14/16</a:t>
+              <a:t>9/15/2016</a:t>
             </a:fld>
             <a:endParaRPr lang="en-US"/>
           </a:p>
@@ -1047,7 +1052,7 @@
           <a:p>
             <a:fld id="{48A87A34-81AB-432B-8DAE-1953F412C126}" type="datetimeFigureOut">
               <a:rPr lang="en-US" smtClean="0"/>
-              <a:t>9/14/16</a:t>
+              <a:t>9/15/2016</a:t>
             </a:fld>
             <a:endParaRPr lang="en-US" dirty="0"/>
           </a:p>
@@ -1349,7 +1354,7 @@
             <a:fld id="{48A87A34-81AB-432B-8DAE-1953F412C126}" type="datetimeFigureOut">
               <a:rPr lang="en-US" smtClean="0"/>
               <a:pPr/>
-              <a:t>9/14/16</a:t>
+              <a:t>9/15/2016</a:t>
             </a:fld>
             <a:endParaRPr lang="en-US" dirty="0"/>
           </a:p>
@@ -1599,7 +1604,7 @@
             <a:fld id="{48A87A34-81AB-432B-8DAE-1953F412C126}" type="datetimeFigureOut">
               <a:rPr lang="en-US" smtClean="0"/>
               <a:pPr/>
-              <a:t>9/14/16</a:t>
+              <a:t>9/15/2016</a:t>
             </a:fld>
             <a:endParaRPr lang="en-US" dirty="0"/>
           </a:p>
@@ -2141,7 +2146,7 @@
             <a:fld id="{48A87A34-81AB-432B-8DAE-1953F412C126}" type="datetimeFigureOut">
               <a:rPr lang="en-US" smtClean="0"/>
               <a:pPr/>
-              <a:t>9/14/16</a:t>
+              <a:t>9/15/2016</a:t>
             </a:fld>
             <a:endParaRPr lang="en-US" dirty="0"/>
           </a:p>
@@ -2391,7 +2396,7 @@
             <a:fld id="{48A87A34-81AB-432B-8DAE-1953F412C126}" type="datetimeFigureOut">
               <a:rPr lang="en-US" smtClean="0"/>
               <a:pPr/>
-              <a:t>9/14/16</a:t>
+              <a:t>9/15/2016</a:t>
             </a:fld>
             <a:endParaRPr lang="en-US" dirty="0"/>
           </a:p>
@@ -2925,7 +2930,7 @@
             <a:fld id="{48A87A34-81AB-432B-8DAE-1953F412C126}" type="datetimeFigureOut">
               <a:rPr lang="en-US" smtClean="0"/>
               <a:pPr/>
-              <a:t>9/14/16</a:t>
+              <a:t>9/15/2016</a:t>
             </a:fld>
             <a:endParaRPr lang="en-US" dirty="0"/>
           </a:p>
@@ -3224,7 +3229,7 @@
             <a:fld id="{48A87A34-81AB-432B-8DAE-1953F412C126}" type="datetimeFigureOut">
               <a:rPr lang="en-US" smtClean="0"/>
               <a:pPr/>
-              <a:t>9/14/16</a:t>
+              <a:t>9/15/2016</a:t>
             </a:fld>
             <a:endParaRPr lang="en-US" dirty="0"/>
           </a:p>
@@ -3399,7 +3404,7 @@
           <a:p>
             <a:fld id="{48A87A34-81AB-432B-8DAE-1953F412C126}" type="datetimeFigureOut">
               <a:rPr lang="en-US" smtClean="0"/>
-              <a:t>9/14/16</a:t>
+              <a:t>9/15/2016</a:t>
             </a:fld>
             <a:endParaRPr lang="en-US" dirty="0"/>
           </a:p>
@@ -3579,7 +3584,7 @@
           <a:p>
             <a:fld id="{48A87A34-81AB-432B-8DAE-1953F412C126}" type="datetimeFigureOut">
               <a:rPr lang="en-US" smtClean="0"/>
-              <a:t>9/14/16</a:t>
+              <a:t>9/15/2016</a:t>
             </a:fld>
             <a:endParaRPr lang="en-US" dirty="0"/>
           </a:p>
@@ -3754,7 +3759,7 @@
           <a:p>
             <a:fld id="{48A87A34-81AB-432B-8DAE-1953F412C126}" type="datetimeFigureOut">
               <a:rPr lang="en-US" smtClean="0"/>
-              <a:t>9/14/16</a:t>
+              <a:t>9/15/2016</a:t>
             </a:fld>
             <a:endParaRPr lang="en-US" dirty="0"/>
           </a:p>
@@ -4005,7 +4010,7 @@
           <a:p>
             <a:fld id="{48A87A34-81AB-432B-8DAE-1953F412C126}" type="datetimeFigureOut">
               <a:rPr lang="en-US" smtClean="0"/>
-              <a:t>9/14/16</a:t>
+              <a:t>9/15/2016</a:t>
             </a:fld>
             <a:endParaRPr lang="en-US" dirty="0"/>
           </a:p>
@@ -4307,7 +4312,7 @@
           <a:p>
             <a:fld id="{48A87A34-81AB-432B-8DAE-1953F412C126}" type="datetimeFigureOut">
               <a:rPr lang="en-US" smtClean="0"/>
-              <a:t>9/14/16</a:t>
+              <a:t>9/15/2016</a:t>
             </a:fld>
             <a:endParaRPr lang="en-US" dirty="0"/>
           </a:p>
@@ -4749,7 +4754,7 @@
           <a:p>
             <a:fld id="{48A87A34-81AB-432B-8DAE-1953F412C126}" type="datetimeFigureOut">
               <a:rPr lang="en-US" smtClean="0"/>
-              <a:t>9/14/16</a:t>
+              <a:t>9/15/2016</a:t>
             </a:fld>
             <a:endParaRPr lang="en-US" dirty="0"/>
           </a:p>
@@ -4867,7 +4872,7 @@
           <a:p>
             <a:fld id="{48A87A34-81AB-432B-8DAE-1953F412C126}" type="datetimeFigureOut">
               <a:rPr lang="en-US" smtClean="0"/>
-              <a:t>9/14/16</a:t>
+              <a:t>9/15/2016</a:t>
             </a:fld>
             <a:endParaRPr lang="en-US" dirty="0"/>
           </a:p>
@@ -4962,7 +4967,7 @@
           <a:p>
             <a:fld id="{48A87A34-81AB-432B-8DAE-1953F412C126}" type="datetimeFigureOut">
               <a:rPr lang="en-US" smtClean="0"/>
-              <a:t>9/14/16</a:t>
+              <a:t>9/15/2016</a:t>
             </a:fld>
             <a:endParaRPr lang="en-US" dirty="0"/>
           </a:p>
@@ -5250,7 +5255,7 @@
           <a:p>
             <a:fld id="{48A87A34-81AB-432B-8DAE-1953F412C126}" type="datetimeFigureOut">
               <a:rPr lang="en-US" smtClean="0"/>
-              <a:t>9/14/16</a:t>
+              <a:t>9/15/2016</a:t>
             </a:fld>
             <a:endParaRPr lang="en-US" dirty="0"/>
           </a:p>
@@ -5547,7 +5552,7 @@
             <a:fld id="{48A87A34-81AB-432B-8DAE-1953F412C126}" type="datetimeFigureOut">
               <a:rPr lang="en-US" smtClean="0"/>
               <a:pPr/>
-              <a:t>9/14/16</a:t>
+              <a:t>9/15/2016</a:t>
             </a:fld>
             <a:endParaRPr lang="en-US" dirty="0"/>
           </a:p>
@@ -6078,7 +6083,7 @@
             <a:fld id="{48A87A34-81AB-432B-8DAE-1953F412C126}" type="datetimeFigureOut">
               <a:rPr lang="en-US" smtClean="0"/>
               <a:pPr/>
-              <a:t>9/14/16</a:t>
+              <a:t>9/15/2016</a:t>
             </a:fld>
             <a:endParaRPr lang="en-US" dirty="0"/>
           </a:p>
@@ -6671,7 +6676,27 @@
             </a:r>
             <a:r>
               <a:rPr lang="en-US" dirty="0" smtClean="0"/>
-              <a:t> Mo and Domenic Palucci</a:t>
+              <a:t>(</a:t>
+            </a:r>
+            <a:r>
+              <a:rPr lang="zh-CN" altLang="en-US" dirty="0" smtClean="0"/>
+              <a:t>耀恒</a:t>
+            </a:r>
+            <a:r>
+              <a:rPr lang="en-US" dirty="0" smtClean="0"/>
+              <a:t>) Mo</a:t>
+            </a:r>
+            <a:r>
+              <a:rPr lang="zh-CN" altLang="en-US" dirty="0" smtClean="0"/>
+              <a:t>（莫）</a:t>
+            </a:r>
+            <a:r>
+              <a:rPr lang="en-US" dirty="0" smtClean="0"/>
+              <a:t> </a:t>
+            </a:r>
+            <a:r>
+              <a:rPr lang="en-US" dirty="0" smtClean="0"/>
+              <a:t>and Domenic Palucci</a:t>
             </a:r>
             <a:endParaRPr lang="en-US" dirty="0"/>
           </a:p>

--- a/ProjectHealthPPT.pptx
+++ b/ProjectHealthPPT.pptx
@@ -5,11 +5,13 @@
     <p:sldMasterId id="2147483875" r:id="rId1"/>
   </p:sldMasterIdLst>
   <p:notesMasterIdLst>
-    <p:notesMasterId r:id="rId4"/>
+    <p:notesMasterId r:id="rId6"/>
   </p:notesMasterIdLst>
   <p:sldIdLst>
     <p:sldId id="256" r:id="rId2"/>
     <p:sldId id="257" r:id="rId3"/>
+    <p:sldId id="258" r:id="rId4"/>
+    <p:sldId id="259" r:id="rId5"/>
   </p:sldIdLst>
   <p:sldSz cx="12192000" cy="6858000"/>
   <p:notesSz cx="6858000" cy="9144000"/>
@@ -108,6 +110,11 @@
       </a:defRPr>
     </a:lvl9pPr>
   </p:defaultTextStyle>
+  <p:extLst>
+    <p:ext uri="{EFAFB233-063F-42B5-8137-9DF3F51BA10A}">
+      <p15:sldGuideLst xmlns:p15="http://schemas.microsoft.com/office/powerpoint/2012/main"/>
+    </p:ext>
+  </p:extLst>
 </p:presentation>
 </file>
 
@@ -193,7 +200,7 @@
           <a:p>
             <a:fld id="{A3223976-33E3-D248-BAF5-5B38B964CEC8}" type="datetimeFigureOut">
               <a:rPr lang="en-US" smtClean="0"/>
-              <a:t>9/14/16</a:t>
+              <a:t>9/15/2016</a:t>
             </a:fld>
             <a:endParaRPr lang="en-US"/>
           </a:p>
@@ -1047,7 +1054,7 @@
           <a:p>
             <a:fld id="{48A87A34-81AB-432B-8DAE-1953F412C126}" type="datetimeFigureOut">
               <a:rPr lang="en-US" smtClean="0"/>
-              <a:t>9/14/16</a:t>
+              <a:t>9/15/2016</a:t>
             </a:fld>
             <a:endParaRPr lang="en-US" dirty="0"/>
           </a:p>
@@ -1349,7 +1356,7 @@
             <a:fld id="{48A87A34-81AB-432B-8DAE-1953F412C126}" type="datetimeFigureOut">
               <a:rPr lang="en-US" smtClean="0"/>
               <a:pPr/>
-              <a:t>9/14/16</a:t>
+              <a:t>9/15/2016</a:t>
             </a:fld>
             <a:endParaRPr lang="en-US" dirty="0"/>
           </a:p>
@@ -1599,7 +1606,7 @@
             <a:fld id="{48A87A34-81AB-432B-8DAE-1953F412C126}" type="datetimeFigureOut">
               <a:rPr lang="en-US" smtClean="0"/>
               <a:pPr/>
-              <a:t>9/14/16</a:t>
+              <a:t>9/15/2016</a:t>
             </a:fld>
             <a:endParaRPr lang="en-US" dirty="0"/>
           </a:p>
@@ -2141,7 +2148,7 @@
             <a:fld id="{48A87A34-81AB-432B-8DAE-1953F412C126}" type="datetimeFigureOut">
               <a:rPr lang="en-US" smtClean="0"/>
               <a:pPr/>
-              <a:t>9/14/16</a:t>
+              <a:t>9/15/2016</a:t>
             </a:fld>
             <a:endParaRPr lang="en-US" dirty="0"/>
           </a:p>
@@ -2391,7 +2398,7 @@
             <a:fld id="{48A87A34-81AB-432B-8DAE-1953F412C126}" type="datetimeFigureOut">
               <a:rPr lang="en-US" smtClean="0"/>
               <a:pPr/>
-              <a:t>9/14/16</a:t>
+              <a:t>9/15/2016</a:t>
             </a:fld>
             <a:endParaRPr lang="en-US" dirty="0"/>
           </a:p>
@@ -2925,7 +2932,7 @@
             <a:fld id="{48A87A34-81AB-432B-8DAE-1953F412C126}" type="datetimeFigureOut">
               <a:rPr lang="en-US" smtClean="0"/>
               <a:pPr/>
-              <a:t>9/14/16</a:t>
+              <a:t>9/15/2016</a:t>
             </a:fld>
             <a:endParaRPr lang="en-US" dirty="0"/>
           </a:p>
@@ -3224,7 +3231,7 @@
             <a:fld id="{48A87A34-81AB-432B-8DAE-1953F412C126}" type="datetimeFigureOut">
               <a:rPr lang="en-US" smtClean="0"/>
               <a:pPr/>
-              <a:t>9/14/16</a:t>
+              <a:t>9/15/2016</a:t>
             </a:fld>
             <a:endParaRPr lang="en-US" dirty="0"/>
           </a:p>
@@ -3399,7 +3406,7 @@
           <a:p>
             <a:fld id="{48A87A34-81AB-432B-8DAE-1953F412C126}" type="datetimeFigureOut">
               <a:rPr lang="en-US" smtClean="0"/>
-              <a:t>9/14/16</a:t>
+              <a:t>9/15/2016</a:t>
             </a:fld>
             <a:endParaRPr lang="en-US" dirty="0"/>
           </a:p>
@@ -3579,7 +3586,7 @@
           <a:p>
             <a:fld id="{48A87A34-81AB-432B-8DAE-1953F412C126}" type="datetimeFigureOut">
               <a:rPr lang="en-US" smtClean="0"/>
-              <a:t>9/14/16</a:t>
+              <a:t>9/15/2016</a:t>
             </a:fld>
             <a:endParaRPr lang="en-US" dirty="0"/>
           </a:p>
@@ -3754,7 +3761,7 @@
           <a:p>
             <a:fld id="{48A87A34-81AB-432B-8DAE-1953F412C126}" type="datetimeFigureOut">
               <a:rPr lang="en-US" smtClean="0"/>
-              <a:t>9/14/16</a:t>
+              <a:t>9/15/2016</a:t>
             </a:fld>
             <a:endParaRPr lang="en-US" dirty="0"/>
           </a:p>
@@ -4005,7 +4012,7 @@
           <a:p>
             <a:fld id="{48A87A34-81AB-432B-8DAE-1953F412C126}" type="datetimeFigureOut">
               <a:rPr lang="en-US" smtClean="0"/>
-              <a:t>9/14/16</a:t>
+              <a:t>9/15/2016</a:t>
             </a:fld>
             <a:endParaRPr lang="en-US" dirty="0"/>
           </a:p>
@@ -4307,7 +4314,7 @@
           <a:p>
             <a:fld id="{48A87A34-81AB-432B-8DAE-1953F412C126}" type="datetimeFigureOut">
               <a:rPr lang="en-US" smtClean="0"/>
-              <a:t>9/14/16</a:t>
+              <a:t>9/15/2016</a:t>
             </a:fld>
             <a:endParaRPr lang="en-US" dirty="0"/>
           </a:p>
@@ -4749,7 +4756,7 @@
           <a:p>
             <a:fld id="{48A87A34-81AB-432B-8DAE-1953F412C126}" type="datetimeFigureOut">
               <a:rPr lang="en-US" smtClean="0"/>
-              <a:t>9/14/16</a:t>
+              <a:t>9/15/2016</a:t>
             </a:fld>
             <a:endParaRPr lang="en-US" dirty="0"/>
           </a:p>
@@ -4867,7 +4874,7 @@
           <a:p>
             <a:fld id="{48A87A34-81AB-432B-8DAE-1953F412C126}" type="datetimeFigureOut">
               <a:rPr lang="en-US" smtClean="0"/>
-              <a:t>9/14/16</a:t>
+              <a:t>9/15/2016</a:t>
             </a:fld>
             <a:endParaRPr lang="en-US" dirty="0"/>
           </a:p>
@@ -4962,7 +4969,7 @@
           <a:p>
             <a:fld id="{48A87A34-81AB-432B-8DAE-1953F412C126}" type="datetimeFigureOut">
               <a:rPr lang="en-US" smtClean="0"/>
-              <a:t>9/14/16</a:t>
+              <a:t>9/15/2016</a:t>
             </a:fld>
             <a:endParaRPr lang="en-US" dirty="0"/>
           </a:p>
@@ -5250,7 +5257,7 @@
           <a:p>
             <a:fld id="{48A87A34-81AB-432B-8DAE-1953F412C126}" type="datetimeFigureOut">
               <a:rPr lang="en-US" smtClean="0"/>
-              <a:t>9/14/16</a:t>
+              <a:t>9/15/2016</a:t>
             </a:fld>
             <a:endParaRPr lang="en-US" dirty="0"/>
           </a:p>
@@ -5547,7 +5554,7 @@
             <a:fld id="{48A87A34-81AB-432B-8DAE-1953F412C126}" type="datetimeFigureOut">
               <a:rPr lang="en-US" smtClean="0"/>
               <a:pPr/>
-              <a:t>9/14/16</a:t>
+              <a:t>9/15/2016</a:t>
             </a:fld>
             <a:endParaRPr lang="en-US" dirty="0"/>
           </a:p>
@@ -6078,7 +6085,7 @@
             <a:fld id="{48A87A34-81AB-432B-8DAE-1953F412C126}" type="datetimeFigureOut">
               <a:rPr lang="en-US" smtClean="0"/>
               <a:pPr/>
-              <a:t>9/14/16</a:t>
+              <a:t>9/15/2016</a:t>
             </a:fld>
             <a:endParaRPr lang="en-US" dirty="0"/>
           </a:p>
@@ -6724,11 +6731,20 @@
             <p:ph type="title"/>
           </p:nvPr>
         </p:nvSpPr>
-        <p:spPr/>
+        <p:spPr>
+          <a:xfrm>
+            <a:off x="1484311" y="685800"/>
+            <a:ext cx="10018713" cy="1395549"/>
+          </a:xfrm>
+        </p:spPr>
         <p:txBody>
           <a:bodyPr/>
           <a:lstStyle/>
           <a:p>
+            <a:r>
+              <a:rPr lang="en-US" dirty="0" smtClean="0"/>
+              <a:t>Healthy Lifestyle</a:t>
+            </a:r>
             <a:endParaRPr lang="en-US" dirty="0"/>
           </a:p>
         </p:txBody>
@@ -6745,10 +6761,134 @@
         </p:nvSpPr>
         <p:spPr/>
         <p:txBody>
-          <a:bodyPr/>
+          <a:bodyPr>
+            <a:normAutofit fontScale="92500" lnSpcReduction="20000"/>
+          </a:bodyPr>
           <a:lstStyle/>
           <a:p>
-            <a:endParaRPr lang="en-US"/>
+            <a:r>
+              <a:rPr lang="en-US" dirty="0" smtClean="0"/>
+              <a:t>Nutrition and Exercise</a:t>
+            </a:r>
+          </a:p>
+          <a:p>
+            <a:r>
+              <a:rPr lang="en-US" dirty="0" smtClean="0"/>
+              <a:t>Different types of people require different types of meals (i.e. endurance athletes vs a typical 50 year old man.</a:t>
+            </a:r>
+          </a:p>
+          <a:p>
+            <a:r>
+              <a:rPr lang="en-US" dirty="0" smtClean="0"/>
+              <a:t>Daily Calorie Consumption examples:</a:t>
+            </a:r>
+          </a:p>
+          <a:p>
+            <a:pPr marL="971550" lvl="1" indent="-514350">
+              <a:buFont typeface="+mj-lt"/>
+              <a:buAutoNum type="romanLcPeriod"/>
+            </a:pPr>
+            <a:r>
+              <a:rPr lang="en-US" dirty="0" smtClean="0"/>
+              <a:t> Women (19-30) 2000 calories </a:t>
+            </a:r>
+          </a:p>
+          <a:p>
+            <a:pPr marL="971550" lvl="1" indent="-514350">
+              <a:buFont typeface="+mj-lt"/>
+              <a:buAutoNum type="romanLcPeriod"/>
+            </a:pPr>
+            <a:r>
+              <a:rPr lang="en-US" dirty="0"/>
+              <a:t>Women </a:t>
+            </a:r>
+            <a:r>
+              <a:rPr lang="en-US" dirty="0" smtClean="0"/>
+              <a:t>(31-50</a:t>
+            </a:r>
+            <a:r>
+              <a:rPr lang="en-US" dirty="0"/>
+              <a:t>) </a:t>
+            </a:r>
+            <a:r>
+              <a:rPr lang="en-US" dirty="0" smtClean="0"/>
+              <a:t>1800 </a:t>
+            </a:r>
+            <a:r>
+              <a:rPr lang="en-US" dirty="0"/>
+              <a:t>calories </a:t>
+            </a:r>
+            <a:endParaRPr lang="en-US" dirty="0" smtClean="0"/>
+          </a:p>
+          <a:p>
+            <a:pPr marL="971550" lvl="1" indent="-514350">
+              <a:buFont typeface="+mj-lt"/>
+              <a:buAutoNum type="romanLcPeriod"/>
+            </a:pPr>
+            <a:r>
+              <a:rPr lang="en-US" dirty="0" smtClean="0"/>
+              <a:t>Men </a:t>
+            </a:r>
+            <a:r>
+              <a:rPr lang="en-US" dirty="0"/>
+              <a:t>(19-30) </a:t>
+            </a:r>
+            <a:r>
+              <a:rPr lang="en-US" dirty="0" smtClean="0"/>
+              <a:t>2400 </a:t>
+            </a:r>
+            <a:r>
+              <a:rPr lang="en-US" dirty="0"/>
+              <a:t>calories </a:t>
+            </a:r>
+            <a:endParaRPr lang="en-US" dirty="0" smtClean="0"/>
+          </a:p>
+          <a:p>
+            <a:pPr marL="971550" lvl="1" indent="-514350">
+              <a:buFont typeface="+mj-lt"/>
+              <a:buAutoNum type="romanLcPeriod"/>
+            </a:pPr>
+            <a:r>
+              <a:rPr lang="en-US" dirty="0"/>
+              <a:t>Men </a:t>
+            </a:r>
+            <a:r>
+              <a:rPr lang="en-US" dirty="0" smtClean="0"/>
+              <a:t>(31-50</a:t>
+            </a:r>
+            <a:r>
+              <a:rPr lang="en-US" dirty="0"/>
+              <a:t>) </a:t>
+            </a:r>
+            <a:r>
+              <a:rPr lang="en-US" dirty="0" smtClean="0"/>
+              <a:t>2200 </a:t>
+            </a:r>
+            <a:r>
+              <a:rPr lang="en-US" dirty="0"/>
+              <a:t>calories </a:t>
+            </a:r>
+          </a:p>
+          <a:p>
+            <a:pPr marL="514350" indent="-514350">
+              <a:buFont typeface="+mj-lt"/>
+              <a:buAutoNum type="romanLcPeriod"/>
+            </a:pPr>
+            <a:endParaRPr lang="en-US" dirty="0"/>
+          </a:p>
+          <a:p>
+            <a:pPr marL="514350" indent="-514350">
+              <a:buFont typeface="+mj-lt"/>
+              <a:buAutoNum type="romanLcPeriod"/>
+            </a:pPr>
+            <a:endParaRPr lang="en-US" dirty="0"/>
+          </a:p>
+          <a:p>
+            <a:pPr marL="514350" indent="-514350">
+              <a:buFont typeface="+mj-lt"/>
+              <a:buAutoNum type="romanLcPeriod"/>
+            </a:pPr>
+            <a:endParaRPr lang="en-US" dirty="0"/>
           </a:p>
         </p:txBody>
       </p:sp>
@@ -6769,6 +6909,197 @@
       </p:par>
     </p:tnLst>
   </p:timing>
+</p:sld>
+</file>
+
+<file path=ppt/slides/slide3.xml><?xml version="1.0" encoding="utf-8"?>
+<p:sld xmlns:a="http://schemas.openxmlformats.org/drawingml/2006/main" xmlns:r="http://schemas.openxmlformats.org/officeDocument/2006/relationships" xmlns:p="http://schemas.openxmlformats.org/presentationml/2006/main">
+  <p:cSld>
+    <p:spTree>
+      <p:nvGrpSpPr>
+        <p:cNvPr id="1" name=""/>
+        <p:cNvGrpSpPr/>
+        <p:nvPr/>
+      </p:nvGrpSpPr>
+      <p:grpSpPr>
+        <a:xfrm>
+          <a:off x="0" y="0"/>
+          <a:ext cx="0" cy="0"/>
+          <a:chOff x="0" y="0"/>
+          <a:chExt cx="0" cy="0"/>
+        </a:xfrm>
+      </p:grpSpPr>
+      <p:sp>
+        <p:nvSpPr>
+          <p:cNvPr id="2" name="Title 1"/>
+          <p:cNvSpPr>
+            <a:spLocks noGrp="1"/>
+          </p:cNvSpPr>
+          <p:nvPr>
+            <p:ph type="title"/>
+          </p:nvPr>
+        </p:nvSpPr>
+        <p:spPr/>
+        <p:txBody>
+          <a:bodyPr/>
+          <a:lstStyle/>
+          <a:p>
+            <a:r>
+              <a:rPr lang="en-US" dirty="0" smtClean="0"/>
+              <a:t>If you fail to plan, then plan to fail…</a:t>
+            </a:r>
+            <a:endParaRPr lang="en-US" dirty="0"/>
+          </a:p>
+        </p:txBody>
+      </p:sp>
+      <p:sp>
+        <p:nvSpPr>
+          <p:cNvPr id="3" name="Content Placeholder 2"/>
+          <p:cNvSpPr>
+            <a:spLocks noGrp="1"/>
+          </p:cNvSpPr>
+          <p:nvPr>
+            <p:ph idx="1"/>
+          </p:nvPr>
+        </p:nvSpPr>
+        <p:spPr/>
+        <p:txBody>
+          <a:bodyPr/>
+          <a:lstStyle/>
+          <a:p>
+            <a:r>
+              <a:rPr lang="en-US" dirty="0" smtClean="0"/>
+              <a:t>Planning </a:t>
+            </a:r>
+            <a:r>
+              <a:rPr lang="en-US" dirty="0"/>
+              <a:t>m</a:t>
+            </a:r>
+            <a:r>
+              <a:rPr lang="en-US" dirty="0" smtClean="0"/>
+              <a:t>eals helps to monitor calorie consumption.</a:t>
+            </a:r>
+          </a:p>
+          <a:p>
+            <a:r>
+              <a:rPr lang="en-US" dirty="0" smtClean="0"/>
+              <a:t>Provides a nutritional count for every meal of the day.</a:t>
+            </a:r>
+          </a:p>
+          <a:p>
+            <a:r>
+              <a:rPr lang="en-US" dirty="0" smtClean="0"/>
+              <a:t>Provides different plan for individual’s goals, </a:t>
+            </a:r>
+            <a:r>
+              <a:rPr lang="en-US" dirty="0" err="1" smtClean="0"/>
+              <a:t>ie</a:t>
+            </a:r>
+            <a:r>
+              <a:rPr lang="en-US" dirty="0" smtClean="0"/>
+              <a:t>. Weight loss, or very active.</a:t>
+            </a:r>
+            <a:endParaRPr lang="en-US" dirty="0"/>
+          </a:p>
+        </p:txBody>
+      </p:sp>
+    </p:spTree>
+    <p:extLst>
+      <p:ext uri="{BB962C8B-B14F-4D97-AF65-F5344CB8AC3E}">
+        <p14:creationId xmlns:p14="http://schemas.microsoft.com/office/powerpoint/2010/main" val="1474492736"/>
+      </p:ext>
+    </p:extLst>
+  </p:cSld>
+  <p:clrMapOvr>
+    <a:masterClrMapping/>
+  </p:clrMapOvr>
+</p:sld>
+</file>
+
+<file path=ppt/slides/slide4.xml><?xml version="1.0" encoding="utf-8"?>
+<p:sld xmlns:a="http://schemas.openxmlformats.org/drawingml/2006/main" xmlns:r="http://schemas.openxmlformats.org/officeDocument/2006/relationships" xmlns:p="http://schemas.openxmlformats.org/presentationml/2006/main">
+  <p:cSld>
+    <p:spTree>
+      <p:nvGrpSpPr>
+        <p:cNvPr id="1" name=""/>
+        <p:cNvGrpSpPr/>
+        <p:nvPr/>
+      </p:nvGrpSpPr>
+      <p:grpSpPr>
+        <a:xfrm>
+          <a:off x="0" y="0"/>
+          <a:ext cx="0" cy="0"/>
+          <a:chOff x="0" y="0"/>
+          <a:chExt cx="0" cy="0"/>
+        </a:xfrm>
+      </p:grpSpPr>
+      <p:sp>
+        <p:nvSpPr>
+          <p:cNvPr id="2" name="Title 1"/>
+          <p:cNvSpPr>
+            <a:spLocks noGrp="1"/>
+          </p:cNvSpPr>
+          <p:nvPr>
+            <p:ph type="title"/>
+          </p:nvPr>
+        </p:nvSpPr>
+        <p:spPr/>
+        <p:txBody>
+          <a:bodyPr/>
+          <a:lstStyle/>
+          <a:p>
+            <a:r>
+              <a:rPr lang="en-US" dirty="0" smtClean="0"/>
+              <a:t>Meal Planner</a:t>
+            </a:r>
+            <a:endParaRPr lang="en-US" dirty="0"/>
+          </a:p>
+        </p:txBody>
+      </p:sp>
+      <p:sp>
+        <p:nvSpPr>
+          <p:cNvPr id="3" name="Content Placeholder 2"/>
+          <p:cNvSpPr>
+            <a:spLocks noGrp="1"/>
+          </p:cNvSpPr>
+          <p:nvPr>
+            <p:ph idx="1"/>
+          </p:nvPr>
+        </p:nvSpPr>
+        <p:spPr/>
+        <p:txBody>
+          <a:bodyPr/>
+          <a:lstStyle/>
+          <a:p>
+            <a:r>
+              <a:rPr lang="en-US" dirty="0" smtClean="0"/>
+              <a:t>Allows for personal individual data thru registration.</a:t>
+            </a:r>
+          </a:p>
+          <a:p>
+            <a:r>
+              <a:rPr lang="en-US" dirty="0" smtClean="0"/>
+              <a:t>Allows for flexibility to add recipes, or select from the database.</a:t>
+            </a:r>
+          </a:p>
+          <a:p>
+            <a:endParaRPr lang="en-US" dirty="0" smtClean="0"/>
+          </a:p>
+          <a:p>
+            <a:endParaRPr lang="en-US" dirty="0"/>
+          </a:p>
+        </p:txBody>
+      </p:sp>
+    </p:spTree>
+    <p:extLst>
+      <p:ext uri="{BB962C8B-B14F-4D97-AF65-F5344CB8AC3E}">
+        <p14:creationId xmlns:p14="http://schemas.microsoft.com/office/powerpoint/2010/main" val="1001508736"/>
+      </p:ext>
+    </p:extLst>
+  </p:cSld>
+  <p:clrMapOvr>
+    <a:masterClrMapping/>
+  </p:clrMapOvr>
 </p:sld>
 </file>
 

--- a/ProjectHealthPPT.pptx
+++ b/ProjectHealthPPT.pptx
@@ -5,13 +5,21 @@
     <p:sldMasterId id="2147483875" r:id="rId1"/>
   </p:sldMasterIdLst>
   <p:notesMasterIdLst>
-    <p:notesMasterId r:id="rId6"/>
+    <p:notesMasterId r:id="rId14"/>
   </p:notesMasterIdLst>
   <p:sldIdLst>
     <p:sldId id="256" r:id="rId2"/>
     <p:sldId id="257" r:id="rId3"/>
     <p:sldId id="258" r:id="rId4"/>
     <p:sldId id="259" r:id="rId5"/>
+    <p:sldId id="260" r:id="rId6"/>
+    <p:sldId id="265" r:id="rId7"/>
+    <p:sldId id="261" r:id="rId8"/>
+    <p:sldId id="262" r:id="rId9"/>
+    <p:sldId id="268" r:id="rId10"/>
+    <p:sldId id="263" r:id="rId11"/>
+    <p:sldId id="264" r:id="rId12"/>
+    <p:sldId id="266" r:id="rId13"/>
   </p:sldIdLst>
   <p:sldSz cx="12192000" cy="6858000"/>
   <p:notesSz cx="6858000" cy="9144000"/>
@@ -200,7 +208,7 @@
           <a:p>
             <a:fld id="{A3223976-33E3-D248-BAF5-5B38B964CEC8}" type="datetimeFigureOut">
               <a:rPr lang="en-US" smtClean="0"/>
-              <a:t>9/15/2016</a:t>
+              <a:t>9/15/16</a:t>
             </a:fld>
             <a:endParaRPr lang="en-US"/>
           </a:p>
@@ -1054,7 +1062,7 @@
           <a:p>
             <a:fld id="{48A87A34-81AB-432B-8DAE-1953F412C126}" type="datetimeFigureOut">
               <a:rPr lang="en-US" smtClean="0"/>
-              <a:t>9/15/2016</a:t>
+              <a:t>9/15/16</a:t>
             </a:fld>
             <a:endParaRPr lang="en-US" dirty="0"/>
           </a:p>
@@ -1356,7 +1364,7 @@
             <a:fld id="{48A87A34-81AB-432B-8DAE-1953F412C126}" type="datetimeFigureOut">
               <a:rPr lang="en-US" smtClean="0"/>
               <a:pPr/>
-              <a:t>9/15/2016</a:t>
+              <a:t>9/15/16</a:t>
             </a:fld>
             <a:endParaRPr lang="en-US" dirty="0"/>
           </a:p>
@@ -1606,7 +1614,7 @@
             <a:fld id="{48A87A34-81AB-432B-8DAE-1953F412C126}" type="datetimeFigureOut">
               <a:rPr lang="en-US" smtClean="0"/>
               <a:pPr/>
-              <a:t>9/15/2016</a:t>
+              <a:t>9/15/16</a:t>
             </a:fld>
             <a:endParaRPr lang="en-US" dirty="0"/>
           </a:p>
@@ -2148,7 +2156,7 @@
             <a:fld id="{48A87A34-81AB-432B-8DAE-1953F412C126}" type="datetimeFigureOut">
               <a:rPr lang="en-US" smtClean="0"/>
               <a:pPr/>
-              <a:t>9/15/2016</a:t>
+              <a:t>9/15/16</a:t>
             </a:fld>
             <a:endParaRPr lang="en-US" dirty="0"/>
           </a:p>
@@ -2398,7 +2406,7 @@
             <a:fld id="{48A87A34-81AB-432B-8DAE-1953F412C126}" type="datetimeFigureOut">
               <a:rPr lang="en-US" smtClean="0"/>
               <a:pPr/>
-              <a:t>9/15/2016</a:t>
+              <a:t>9/15/16</a:t>
             </a:fld>
             <a:endParaRPr lang="en-US" dirty="0"/>
           </a:p>
@@ -2932,7 +2940,7 @@
             <a:fld id="{48A87A34-81AB-432B-8DAE-1953F412C126}" type="datetimeFigureOut">
               <a:rPr lang="en-US" smtClean="0"/>
               <a:pPr/>
-              <a:t>9/15/2016</a:t>
+              <a:t>9/15/16</a:t>
             </a:fld>
             <a:endParaRPr lang="en-US" dirty="0"/>
           </a:p>
@@ -3231,7 +3239,7 @@
             <a:fld id="{48A87A34-81AB-432B-8DAE-1953F412C126}" type="datetimeFigureOut">
               <a:rPr lang="en-US" smtClean="0"/>
               <a:pPr/>
-              <a:t>9/15/2016</a:t>
+              <a:t>9/15/16</a:t>
             </a:fld>
             <a:endParaRPr lang="en-US" dirty="0"/>
           </a:p>
@@ -3406,7 +3414,7 @@
           <a:p>
             <a:fld id="{48A87A34-81AB-432B-8DAE-1953F412C126}" type="datetimeFigureOut">
               <a:rPr lang="en-US" smtClean="0"/>
-              <a:t>9/15/2016</a:t>
+              <a:t>9/15/16</a:t>
             </a:fld>
             <a:endParaRPr lang="en-US" dirty="0"/>
           </a:p>
@@ -3586,7 +3594,7 @@
           <a:p>
             <a:fld id="{48A87A34-81AB-432B-8DAE-1953F412C126}" type="datetimeFigureOut">
               <a:rPr lang="en-US" smtClean="0"/>
-              <a:t>9/15/2016</a:t>
+              <a:t>9/15/16</a:t>
             </a:fld>
             <a:endParaRPr lang="en-US" dirty="0"/>
           </a:p>
@@ -3761,7 +3769,7 @@
           <a:p>
             <a:fld id="{48A87A34-81AB-432B-8DAE-1953F412C126}" type="datetimeFigureOut">
               <a:rPr lang="en-US" smtClean="0"/>
-              <a:t>9/15/2016</a:t>
+              <a:t>9/15/16</a:t>
             </a:fld>
             <a:endParaRPr lang="en-US" dirty="0"/>
           </a:p>
@@ -4012,7 +4020,7 @@
           <a:p>
             <a:fld id="{48A87A34-81AB-432B-8DAE-1953F412C126}" type="datetimeFigureOut">
               <a:rPr lang="en-US" smtClean="0"/>
-              <a:t>9/15/2016</a:t>
+              <a:t>9/15/16</a:t>
             </a:fld>
             <a:endParaRPr lang="en-US" dirty="0"/>
           </a:p>
@@ -4314,7 +4322,7 @@
           <a:p>
             <a:fld id="{48A87A34-81AB-432B-8DAE-1953F412C126}" type="datetimeFigureOut">
               <a:rPr lang="en-US" smtClean="0"/>
-              <a:t>9/15/2016</a:t>
+              <a:t>9/15/16</a:t>
             </a:fld>
             <a:endParaRPr lang="en-US" dirty="0"/>
           </a:p>
@@ -4756,7 +4764,7 @@
           <a:p>
             <a:fld id="{48A87A34-81AB-432B-8DAE-1953F412C126}" type="datetimeFigureOut">
               <a:rPr lang="en-US" smtClean="0"/>
-              <a:t>9/15/2016</a:t>
+              <a:t>9/15/16</a:t>
             </a:fld>
             <a:endParaRPr lang="en-US" dirty="0"/>
           </a:p>
@@ -4874,7 +4882,7 @@
           <a:p>
             <a:fld id="{48A87A34-81AB-432B-8DAE-1953F412C126}" type="datetimeFigureOut">
               <a:rPr lang="en-US" smtClean="0"/>
-              <a:t>9/15/2016</a:t>
+              <a:t>9/15/16</a:t>
             </a:fld>
             <a:endParaRPr lang="en-US" dirty="0"/>
           </a:p>
@@ -4969,7 +4977,7 @@
           <a:p>
             <a:fld id="{48A87A34-81AB-432B-8DAE-1953F412C126}" type="datetimeFigureOut">
               <a:rPr lang="en-US" smtClean="0"/>
-              <a:t>9/15/2016</a:t>
+              <a:t>9/15/16</a:t>
             </a:fld>
             <a:endParaRPr lang="en-US" dirty="0"/>
           </a:p>
@@ -5257,7 +5265,7 @@
           <a:p>
             <a:fld id="{48A87A34-81AB-432B-8DAE-1953F412C126}" type="datetimeFigureOut">
               <a:rPr lang="en-US" smtClean="0"/>
-              <a:t>9/15/2016</a:t>
+              <a:t>9/15/16</a:t>
             </a:fld>
             <a:endParaRPr lang="en-US" dirty="0"/>
           </a:p>
@@ -5554,7 +5562,7 @@
             <a:fld id="{48A87A34-81AB-432B-8DAE-1953F412C126}" type="datetimeFigureOut">
               <a:rPr lang="en-US" smtClean="0"/>
               <a:pPr/>
-              <a:t>9/15/2016</a:t>
+              <a:t>9/15/16</a:t>
             </a:fld>
             <a:endParaRPr lang="en-US" dirty="0"/>
           </a:p>
@@ -6085,7 +6093,7 @@
             <a:fld id="{48A87A34-81AB-432B-8DAE-1953F412C126}" type="datetimeFigureOut">
               <a:rPr lang="en-US" smtClean="0"/>
               <a:pPr/>
-              <a:t>9/15/2016</a:t>
+              <a:t>9/15/16</a:t>
             </a:fld>
             <a:endParaRPr lang="en-US" dirty="0"/>
           </a:p>
@@ -6704,6 +6712,270 @@
 </p:sld>
 </file>
 
+<file path=ppt/slides/slide10.xml><?xml version="1.0" encoding="utf-8"?>
+<p:sld xmlns:a="http://schemas.openxmlformats.org/drawingml/2006/main" xmlns:r="http://schemas.openxmlformats.org/officeDocument/2006/relationships" xmlns:p="http://schemas.openxmlformats.org/presentationml/2006/main">
+  <p:cSld>
+    <p:spTree>
+      <p:nvGrpSpPr>
+        <p:cNvPr id="1" name=""/>
+        <p:cNvGrpSpPr/>
+        <p:nvPr/>
+      </p:nvGrpSpPr>
+      <p:grpSpPr>
+        <a:xfrm>
+          <a:off x="0" y="0"/>
+          <a:ext cx="0" cy="0"/>
+          <a:chOff x="0" y="0"/>
+          <a:chExt cx="0" cy="0"/>
+        </a:xfrm>
+      </p:grpSpPr>
+      <p:sp>
+        <p:nvSpPr>
+          <p:cNvPr id="2" name="Title 1"/>
+          <p:cNvSpPr>
+            <a:spLocks noGrp="1"/>
+          </p:cNvSpPr>
+          <p:nvPr>
+            <p:ph type="title"/>
+          </p:nvPr>
+        </p:nvSpPr>
+        <p:spPr/>
+        <p:txBody>
+          <a:bodyPr/>
+          <a:lstStyle/>
+          <a:p>
+            <a:r>
+              <a:rPr lang="en-US" dirty="0" smtClean="0"/>
+              <a:t>Future Upgrades</a:t>
+            </a:r>
+            <a:endParaRPr lang="en-US" dirty="0"/>
+          </a:p>
+        </p:txBody>
+      </p:sp>
+      <p:sp>
+        <p:nvSpPr>
+          <p:cNvPr id="3" name="Content Placeholder 2"/>
+          <p:cNvSpPr>
+            <a:spLocks noGrp="1"/>
+          </p:cNvSpPr>
+          <p:nvPr>
+            <p:ph idx="1"/>
+          </p:nvPr>
+        </p:nvSpPr>
+        <p:spPr/>
+        <p:txBody>
+          <a:bodyPr/>
+          <a:lstStyle/>
+          <a:p>
+            <a:r>
+              <a:rPr lang="en-US" dirty="0" smtClean="0"/>
+              <a:t>Calendar View Window</a:t>
+            </a:r>
+          </a:p>
+          <a:p>
+            <a:r>
+              <a:rPr lang="en-US" dirty="0" smtClean="0"/>
+              <a:t>Individual meal Selection, </a:t>
+            </a:r>
+            <a:r>
+              <a:rPr lang="en-US" dirty="0" err="1" smtClean="0"/>
+              <a:t>ie</a:t>
+            </a:r>
+            <a:r>
+              <a:rPr lang="en-US" dirty="0" smtClean="0"/>
+              <a:t>. Breakfast, Lunch, Supper, and Dessert.</a:t>
+            </a:r>
+          </a:p>
+          <a:p>
+            <a:endParaRPr lang="en-US" dirty="0"/>
+          </a:p>
+        </p:txBody>
+      </p:sp>
+    </p:spTree>
+    <p:extLst>
+      <p:ext uri="{BB962C8B-B14F-4D97-AF65-F5344CB8AC3E}">
+        <p14:creationId xmlns:p14="http://schemas.microsoft.com/office/powerpoint/2010/main" val="1287113894"/>
+      </p:ext>
+    </p:extLst>
+  </p:cSld>
+  <p:clrMapOvr>
+    <a:masterClrMapping/>
+  </p:clrMapOvr>
+</p:sld>
+</file>
+
+<file path=ppt/slides/slide11.xml><?xml version="1.0" encoding="utf-8"?>
+<p:sld xmlns:a="http://schemas.openxmlformats.org/drawingml/2006/main" xmlns:r="http://schemas.openxmlformats.org/officeDocument/2006/relationships" xmlns:p="http://schemas.openxmlformats.org/presentationml/2006/main">
+  <p:cSld>
+    <p:spTree>
+      <p:nvGrpSpPr>
+        <p:cNvPr id="1" name=""/>
+        <p:cNvGrpSpPr/>
+        <p:nvPr/>
+      </p:nvGrpSpPr>
+      <p:grpSpPr>
+        <a:xfrm>
+          <a:off x="0" y="0"/>
+          <a:ext cx="0" cy="0"/>
+          <a:chOff x="0" y="0"/>
+          <a:chExt cx="0" cy="0"/>
+        </a:xfrm>
+      </p:grpSpPr>
+      <p:pic>
+        <p:nvPicPr>
+          <p:cNvPr id="2" name="Picture 1"/>
+          <p:cNvPicPr>
+            <a:picLocks noChangeAspect="1"/>
+          </p:cNvPicPr>
+          <p:nvPr/>
+        </p:nvPicPr>
+        <p:blipFill>
+          <a:blip r:embed="rId2">
+            <a:extLst>
+              <a:ext uri="{28A0092B-C50C-407E-A947-70E740481C1C}">
+                <a14:useLocalDpi xmlns:a14="http://schemas.microsoft.com/office/drawing/2010/main" val="0"/>
+              </a:ext>
+            </a:extLst>
+          </a:blip>
+          <a:stretch>
+            <a:fillRect/>
+          </a:stretch>
+        </p:blipFill>
+        <p:spPr>
+          <a:xfrm>
+            <a:off x="2817340" y="723273"/>
+            <a:ext cx="8027774" cy="5180811"/>
+          </a:xfrm>
+          <a:prstGeom prst="rect">
+            <a:avLst/>
+          </a:prstGeom>
+        </p:spPr>
+      </p:pic>
+    </p:spTree>
+    <p:extLst>
+      <p:ext uri="{BB962C8B-B14F-4D97-AF65-F5344CB8AC3E}">
+        <p14:creationId xmlns:p14="http://schemas.microsoft.com/office/powerpoint/2010/main" val="1514185848"/>
+      </p:ext>
+    </p:extLst>
+  </p:cSld>
+  <p:clrMapOvr>
+    <a:masterClrMapping/>
+  </p:clrMapOvr>
+</p:sld>
+</file>
+
+<file path=ppt/slides/slide12.xml><?xml version="1.0" encoding="utf-8"?>
+<p:sld xmlns:a="http://schemas.openxmlformats.org/drawingml/2006/main" xmlns:r="http://schemas.openxmlformats.org/officeDocument/2006/relationships" xmlns:p="http://schemas.openxmlformats.org/presentationml/2006/main">
+  <p:cSld>
+    <p:spTree>
+      <p:nvGrpSpPr>
+        <p:cNvPr id="1" name=""/>
+        <p:cNvGrpSpPr/>
+        <p:nvPr/>
+      </p:nvGrpSpPr>
+      <p:grpSpPr>
+        <a:xfrm>
+          <a:off x="0" y="0"/>
+          <a:ext cx="0" cy="0"/>
+          <a:chOff x="0" y="0"/>
+          <a:chExt cx="0" cy="0"/>
+        </a:xfrm>
+      </p:grpSpPr>
+      <p:sp>
+        <p:nvSpPr>
+          <p:cNvPr id="2" name="TextBox 1"/>
+          <p:cNvSpPr txBox="1"/>
+          <p:nvPr/>
+        </p:nvSpPr>
+        <p:spPr>
+          <a:xfrm>
+            <a:off x="4683211" y="6041205"/>
+            <a:ext cx="5724510" cy="646331"/>
+          </a:xfrm>
+          <a:prstGeom prst="rect">
+            <a:avLst/>
+          </a:prstGeom>
+          <a:noFill/>
+        </p:spPr>
+        <p:txBody>
+          <a:bodyPr wrap="square" rtlCol="0">
+            <a:spAutoFit/>
+          </a:bodyPr>
+          <a:lstStyle/>
+          <a:p>
+            <a:r>
+              <a:rPr lang="en-US" b="1" dirty="0" smtClean="0">
+                <a:solidFill>
+                  <a:schemeClr val="accent1">
+                    <a:lumMod val="50000"/>
+                  </a:schemeClr>
+                </a:solidFill>
+              </a:rPr>
+              <a:t>***      No computers were harmed in the making of this Presentation or Project </a:t>
+            </a:r>
+            <a:r>
+              <a:rPr lang="is-IS" b="1" dirty="0" smtClean="0">
+                <a:solidFill>
+                  <a:schemeClr val="accent1">
+                    <a:lumMod val="50000"/>
+                  </a:schemeClr>
+                </a:solidFill>
+              </a:rPr>
+              <a:t>…  well, maybe a little.</a:t>
+            </a:r>
+            <a:endParaRPr lang="en-US" b="1" dirty="0">
+              <a:solidFill>
+                <a:schemeClr val="accent1">
+                  <a:lumMod val="50000"/>
+                </a:schemeClr>
+              </a:solidFill>
+            </a:endParaRPr>
+          </a:p>
+        </p:txBody>
+      </p:sp>
+      <p:pic>
+        <p:nvPicPr>
+          <p:cNvPr id="3" name="Picture 2"/>
+          <p:cNvPicPr>
+            <a:picLocks noChangeAspect="1"/>
+          </p:cNvPicPr>
+          <p:nvPr/>
+        </p:nvPicPr>
+        <p:blipFill>
+          <a:blip r:embed="rId2">
+            <a:extLst>
+              <a:ext uri="{28A0092B-C50C-407E-A947-70E740481C1C}">
+                <a14:useLocalDpi xmlns:a14="http://schemas.microsoft.com/office/drawing/2010/main" val="0"/>
+              </a:ext>
+            </a:extLst>
+          </a:blip>
+          <a:stretch>
+            <a:fillRect/>
+          </a:stretch>
+        </p:blipFill>
+        <p:spPr>
+          <a:xfrm>
+            <a:off x="3551194" y="410519"/>
+            <a:ext cx="6350000" cy="4826000"/>
+          </a:xfrm>
+          <a:prstGeom prst="rect">
+            <a:avLst/>
+          </a:prstGeom>
+        </p:spPr>
+      </p:pic>
+    </p:spTree>
+    <p:extLst>
+      <p:ext uri="{BB962C8B-B14F-4D97-AF65-F5344CB8AC3E}">
+        <p14:creationId xmlns:p14="http://schemas.microsoft.com/office/powerpoint/2010/main" val="2087711877"/>
+      </p:ext>
+    </p:extLst>
+  </p:cSld>
+  <p:clrMapOvr>
+    <a:masterClrMapping/>
+  </p:clrMapOvr>
+</p:sld>
+</file>
+
 <file path=ppt/slides/slide2.xml><?xml version="1.0" encoding="utf-8"?>
 <p:sld xmlns:a="http://schemas.openxmlformats.org/drawingml/2006/main" xmlns:r="http://schemas.openxmlformats.org/officeDocument/2006/relationships" xmlns:p="http://schemas.openxmlformats.org/presentationml/2006/main">
   <p:cSld>
@@ -6946,7 +7218,18 @@
           <a:p>
             <a:r>
               <a:rPr lang="en-US" dirty="0" smtClean="0"/>
-              <a:t>If you fail to plan, then plan to fail…</a:t>
+              <a:t>MEAL PLANNER – The Idea</a:t>
+            </a:r>
+            <a:br>
+              <a:rPr lang="en-US" dirty="0" smtClean="0"/>
+            </a:br>
+            <a:r>
+              <a:rPr lang="en-US" dirty="0" smtClean="0"/>
+              <a:t>If </a:t>
+            </a:r>
+            <a:r>
+              <a:rPr lang="en-US" dirty="0" smtClean="0"/>
+              <a:t>you fail to plan, then plan to fail…</a:t>
             </a:r>
             <a:endParaRPr lang="en-US" dirty="0"/>
           </a:p>
@@ -7013,6 +7296,13 @@
   <p:clrMapOvr>
     <a:masterClrMapping/>
   </p:clrMapOvr>
+  <p:timing>
+    <p:tnLst>
+      <p:par>
+        <p:cTn id="1" dur="indefinite" restart="never" nodeType="tmRoot"/>
+      </p:par>
+    </p:tnLst>
+  </p:timing>
 </p:sld>
 </file>
 
@@ -7050,7 +7340,11 @@
           <a:p>
             <a:r>
               <a:rPr lang="en-US" dirty="0" smtClean="0"/>
-              <a:t>Meal Planner</a:t>
+              <a:t>Meal </a:t>
+            </a:r>
+            <a:r>
+              <a:rPr lang="en-US" dirty="0" smtClean="0"/>
+              <a:t>Planner – The Application</a:t>
             </a:r>
             <a:endParaRPr lang="en-US" dirty="0"/>
           </a:p>
@@ -7068,7 +7362,9 @@
         </p:nvSpPr>
         <p:spPr/>
         <p:txBody>
-          <a:bodyPr/>
+          <a:bodyPr>
+            <a:normAutofit lnSpcReduction="10000"/>
+          </a:bodyPr>
           <a:lstStyle/>
           <a:p>
             <a:r>
@@ -7079,8 +7375,31 @@
           <a:p>
             <a:r>
               <a:rPr lang="en-US" dirty="0" smtClean="0"/>
-              <a:t>Allows for flexibility to add recipes, or select from the database.</a:t>
-            </a:r>
+              <a:t>Allows for flexibility to add recipes, or select from the database</a:t>
+            </a:r>
+            <a:r>
+              <a:rPr lang="en-US" dirty="0" smtClean="0"/>
+              <a:t>.</a:t>
+            </a:r>
+          </a:p>
+          <a:p>
+            <a:r>
+              <a:rPr lang="en-US" dirty="0" smtClean="0"/>
+              <a:t>Displays and calculates Nutritional information like Calorie, Fat, Protein, and Carbohydrate count.</a:t>
+            </a:r>
+          </a:p>
+          <a:p>
+            <a:r>
+              <a:rPr lang="en-US" dirty="0" smtClean="0"/>
+              <a:t>Application goal is to notify user if their combined daily calorie count exceeds their limit.</a:t>
+            </a:r>
+          </a:p>
+          <a:p>
+            <a:r>
+              <a:rPr lang="en-US" dirty="0" smtClean="0"/>
+              <a:t>Displays a Daily or weekly calendar of their selected meals.</a:t>
+            </a:r>
+            <a:endParaRPr lang="en-US" dirty="0" smtClean="0"/>
           </a:p>
           <a:p>
             <a:endParaRPr lang="en-US" dirty="0" smtClean="0"/>
@@ -7094,6 +7413,624 @@
     <p:extLst>
       <p:ext uri="{BB962C8B-B14F-4D97-AF65-F5344CB8AC3E}">
         <p14:creationId xmlns:p14="http://schemas.microsoft.com/office/powerpoint/2010/main" val="1001508736"/>
+      </p:ext>
+    </p:extLst>
+  </p:cSld>
+  <p:clrMapOvr>
+    <a:masterClrMapping/>
+  </p:clrMapOvr>
+  <p:timing>
+    <p:tnLst>
+      <p:par>
+        <p:cTn id="1" dur="indefinite" restart="never" nodeType="tmRoot"/>
+      </p:par>
+    </p:tnLst>
+  </p:timing>
+</p:sld>
+</file>
+
+<file path=ppt/slides/slide5.xml><?xml version="1.0" encoding="utf-8"?>
+<p:sld xmlns:a="http://schemas.openxmlformats.org/drawingml/2006/main" xmlns:r="http://schemas.openxmlformats.org/officeDocument/2006/relationships" xmlns:p="http://schemas.openxmlformats.org/presentationml/2006/main">
+  <p:cSld>
+    <p:spTree>
+      <p:nvGrpSpPr>
+        <p:cNvPr id="1" name=""/>
+        <p:cNvGrpSpPr/>
+        <p:nvPr/>
+      </p:nvGrpSpPr>
+      <p:grpSpPr>
+        <a:xfrm>
+          <a:off x="0" y="0"/>
+          <a:ext cx="0" cy="0"/>
+          <a:chOff x="0" y="0"/>
+          <a:chExt cx="0" cy="0"/>
+        </a:xfrm>
+      </p:grpSpPr>
+      <p:sp>
+        <p:nvSpPr>
+          <p:cNvPr id="2" name="Title 1"/>
+          <p:cNvSpPr>
+            <a:spLocks noGrp="1"/>
+          </p:cNvSpPr>
+          <p:nvPr>
+            <p:ph type="title"/>
+          </p:nvPr>
+        </p:nvSpPr>
+        <p:spPr/>
+        <p:txBody>
+          <a:bodyPr/>
+          <a:lstStyle/>
+          <a:p>
+            <a:r>
+              <a:rPr lang="en-US" dirty="0" smtClean="0"/>
+              <a:t>Challenges </a:t>
+            </a:r>
+            <a:endParaRPr lang="en-US" dirty="0"/>
+          </a:p>
+        </p:txBody>
+      </p:sp>
+      <p:sp>
+        <p:nvSpPr>
+          <p:cNvPr id="3" name="Content Placeholder 2"/>
+          <p:cNvSpPr>
+            <a:spLocks noGrp="1"/>
+          </p:cNvSpPr>
+          <p:nvPr>
+            <p:ph idx="1"/>
+          </p:nvPr>
+        </p:nvSpPr>
+        <p:spPr/>
+        <p:txBody>
+          <a:bodyPr/>
+          <a:lstStyle/>
+          <a:p>
+            <a:r>
+              <a:rPr lang="en-US" dirty="0" smtClean="0"/>
+              <a:t>Design &amp; Implementation</a:t>
+            </a:r>
+          </a:p>
+          <a:p>
+            <a:r>
+              <a:rPr lang="en-US" dirty="0" smtClean="0"/>
+              <a:t>Technological -   </a:t>
+            </a:r>
+          </a:p>
+          <a:p>
+            <a:pPr lvl="1"/>
+            <a:r>
+              <a:rPr lang="en-US" dirty="0" smtClean="0"/>
+              <a:t>Validation</a:t>
+            </a:r>
+          </a:p>
+          <a:p>
+            <a:pPr lvl="1"/>
+            <a:r>
+              <a:rPr lang="en-US" dirty="0" err="1" smtClean="0"/>
+              <a:t>Github</a:t>
+            </a:r>
+            <a:endParaRPr lang="en-US" dirty="0" smtClean="0"/>
+          </a:p>
+          <a:p>
+            <a:pPr lvl="1"/>
+            <a:r>
+              <a:rPr lang="en-US" dirty="0" err="1" smtClean="0"/>
+              <a:t>Combobox</a:t>
+            </a:r>
+            <a:r>
+              <a:rPr lang="en-US" dirty="0" smtClean="0"/>
+              <a:t> / Database</a:t>
+            </a:r>
+          </a:p>
+          <a:p>
+            <a:pPr lvl="1"/>
+            <a:r>
+              <a:rPr lang="en-US" dirty="0" err="1" smtClean="0"/>
+              <a:t>Datagrids</a:t>
+            </a:r>
+            <a:endParaRPr lang="en-US" dirty="0"/>
+          </a:p>
+        </p:txBody>
+      </p:sp>
+      <p:pic>
+        <p:nvPicPr>
+          <p:cNvPr id="4" name="Picture 3"/>
+          <p:cNvPicPr>
+            <a:picLocks noChangeAspect="1"/>
+          </p:cNvPicPr>
+          <p:nvPr/>
+        </p:nvPicPr>
+        <p:blipFill>
+          <a:blip r:embed="rId2"/>
+          <a:stretch>
+            <a:fillRect/>
+          </a:stretch>
+        </p:blipFill>
+        <p:spPr>
+          <a:xfrm>
+            <a:off x="9073398" y="243011"/>
+            <a:ext cx="2224141" cy="1820567"/>
+          </a:xfrm>
+          <a:prstGeom prst="rect">
+            <a:avLst/>
+          </a:prstGeom>
+        </p:spPr>
+      </p:pic>
+      <p:pic>
+        <p:nvPicPr>
+          <p:cNvPr id="5" name="Picture 4"/>
+          <p:cNvPicPr>
+            <a:picLocks noChangeAspect="1"/>
+          </p:cNvPicPr>
+          <p:nvPr/>
+        </p:nvPicPr>
+        <p:blipFill>
+          <a:blip r:embed="rId3">
+            <a:extLst>
+              <a:ext uri="{28A0092B-C50C-407E-A947-70E740481C1C}">
+                <a14:useLocalDpi xmlns:a14="http://schemas.microsoft.com/office/drawing/2010/main" val="0"/>
+              </a:ext>
+            </a:extLst>
+          </a:blip>
+          <a:stretch>
+            <a:fillRect/>
+          </a:stretch>
+        </p:blipFill>
+        <p:spPr>
+          <a:xfrm>
+            <a:off x="1930400" y="243011"/>
+            <a:ext cx="1981798" cy="1820567"/>
+          </a:xfrm>
+          <a:prstGeom prst="rect">
+            <a:avLst/>
+          </a:prstGeom>
+        </p:spPr>
+      </p:pic>
+    </p:spTree>
+    <p:extLst>
+      <p:ext uri="{BB962C8B-B14F-4D97-AF65-F5344CB8AC3E}">
+        <p14:creationId xmlns:p14="http://schemas.microsoft.com/office/powerpoint/2010/main" val="460449275"/>
+      </p:ext>
+    </p:extLst>
+  </p:cSld>
+  <p:clrMapOvr>
+    <a:masterClrMapping/>
+  </p:clrMapOvr>
+  <p:timing>
+    <p:tnLst>
+      <p:par>
+        <p:cTn id="1" dur="indefinite" restart="never" nodeType="tmRoot"/>
+      </p:par>
+    </p:tnLst>
+  </p:timing>
+</p:sld>
+</file>
+
+<file path=ppt/slides/slide6.xml><?xml version="1.0" encoding="utf-8"?>
+<p:sld xmlns:a="http://schemas.openxmlformats.org/drawingml/2006/main" xmlns:r="http://schemas.openxmlformats.org/officeDocument/2006/relationships" xmlns:p="http://schemas.openxmlformats.org/presentationml/2006/main">
+  <p:cSld>
+    <p:spTree>
+      <p:nvGrpSpPr>
+        <p:cNvPr id="1" name=""/>
+        <p:cNvGrpSpPr/>
+        <p:nvPr/>
+      </p:nvGrpSpPr>
+      <p:grpSpPr>
+        <a:xfrm>
+          <a:off x="0" y="0"/>
+          <a:ext cx="0" cy="0"/>
+          <a:chOff x="0" y="0"/>
+          <a:chExt cx="0" cy="0"/>
+        </a:xfrm>
+      </p:grpSpPr>
+      <p:sp>
+        <p:nvSpPr>
+          <p:cNvPr id="2" name="Title 1"/>
+          <p:cNvSpPr>
+            <a:spLocks noGrp="1"/>
+          </p:cNvSpPr>
+          <p:nvPr>
+            <p:ph type="title"/>
+          </p:nvPr>
+        </p:nvSpPr>
+        <p:spPr/>
+        <p:txBody>
+          <a:bodyPr/>
+          <a:lstStyle/>
+          <a:p>
+            <a:r>
+              <a:rPr lang="en-US" dirty="0" smtClean="0"/>
+              <a:t>Validation</a:t>
+            </a:r>
+            <a:endParaRPr lang="en-US" dirty="0"/>
+          </a:p>
+        </p:txBody>
+      </p:sp>
+      <p:pic>
+        <p:nvPicPr>
+          <p:cNvPr id="4" name="Content Placeholder 3"/>
+          <p:cNvPicPr>
+            <a:picLocks noGrp="1" noChangeAspect="1"/>
+          </p:cNvPicPr>
+          <p:nvPr>
+            <p:ph idx="1"/>
+          </p:nvPr>
+        </p:nvPicPr>
+        <p:blipFill>
+          <a:blip r:embed="rId2">
+            <a:extLst>
+              <a:ext uri="{28A0092B-C50C-407E-A947-70E740481C1C}">
+                <a14:useLocalDpi xmlns:a14="http://schemas.microsoft.com/office/drawing/2010/main" val="0"/>
+              </a:ext>
+            </a:extLst>
+          </a:blip>
+          <a:stretch>
+            <a:fillRect/>
+          </a:stretch>
+        </p:blipFill>
+        <p:spPr>
+          <a:xfrm>
+            <a:off x="1355080" y="2310713"/>
+            <a:ext cx="10680401" cy="2726639"/>
+          </a:xfrm>
+        </p:spPr>
+      </p:pic>
+    </p:spTree>
+    <p:extLst>
+      <p:ext uri="{BB962C8B-B14F-4D97-AF65-F5344CB8AC3E}">
+        <p14:creationId xmlns:p14="http://schemas.microsoft.com/office/powerpoint/2010/main" val="1390906300"/>
+      </p:ext>
+    </p:extLst>
+  </p:cSld>
+  <p:clrMapOvr>
+    <a:masterClrMapping/>
+  </p:clrMapOvr>
+</p:sld>
+</file>
+
+<file path=ppt/slides/slide7.xml><?xml version="1.0" encoding="utf-8"?>
+<p:sld xmlns:a="http://schemas.openxmlformats.org/drawingml/2006/main" xmlns:r="http://schemas.openxmlformats.org/officeDocument/2006/relationships" xmlns:p="http://schemas.openxmlformats.org/presentationml/2006/main">
+  <p:cSld>
+    <p:spTree>
+      <p:nvGrpSpPr>
+        <p:cNvPr id="1" name=""/>
+        <p:cNvGrpSpPr/>
+        <p:nvPr/>
+      </p:nvGrpSpPr>
+      <p:grpSpPr>
+        <a:xfrm>
+          <a:off x="0" y="0"/>
+          <a:ext cx="0" cy="0"/>
+          <a:chOff x="0" y="0"/>
+          <a:chExt cx="0" cy="0"/>
+        </a:xfrm>
+      </p:grpSpPr>
+      <p:sp>
+        <p:nvSpPr>
+          <p:cNvPr id="2" name="Title 1"/>
+          <p:cNvSpPr>
+            <a:spLocks noGrp="1"/>
+          </p:cNvSpPr>
+          <p:nvPr>
+            <p:ph type="title"/>
+          </p:nvPr>
+        </p:nvSpPr>
+        <p:spPr/>
+        <p:txBody>
+          <a:bodyPr/>
+          <a:lstStyle/>
+          <a:p>
+            <a:r>
+              <a:rPr lang="en-US" dirty="0" err="1" smtClean="0"/>
+              <a:t>Datagrids</a:t>
+            </a:r>
+            <a:endParaRPr lang="en-US" dirty="0"/>
+          </a:p>
+        </p:txBody>
+      </p:sp>
+      <p:sp>
+        <p:nvSpPr>
+          <p:cNvPr id="3" name="Content Placeholder 2"/>
+          <p:cNvSpPr>
+            <a:spLocks noGrp="1"/>
+          </p:cNvSpPr>
+          <p:nvPr>
+            <p:ph idx="1"/>
+          </p:nvPr>
+        </p:nvSpPr>
+        <p:spPr/>
+        <p:txBody>
+          <a:bodyPr/>
+          <a:lstStyle/>
+          <a:p>
+            <a:endParaRPr lang="en-US"/>
+          </a:p>
+        </p:txBody>
+      </p:sp>
+    </p:spTree>
+    <p:extLst>
+      <p:ext uri="{BB962C8B-B14F-4D97-AF65-F5344CB8AC3E}">
+        <p14:creationId xmlns:p14="http://schemas.microsoft.com/office/powerpoint/2010/main" val="398625562"/>
+      </p:ext>
+    </p:extLst>
+  </p:cSld>
+  <p:clrMapOvr>
+    <a:masterClrMapping/>
+  </p:clrMapOvr>
+  <p:timing>
+    <p:tnLst>
+      <p:par>
+        <p:cTn id="1" dur="indefinite" restart="never" nodeType="tmRoot"/>
+      </p:par>
+    </p:tnLst>
+  </p:timing>
+</p:sld>
+</file>
+
+<file path=ppt/slides/slide8.xml><?xml version="1.0" encoding="utf-8"?>
+<p:sld xmlns:a="http://schemas.openxmlformats.org/drawingml/2006/main" xmlns:r="http://schemas.openxmlformats.org/officeDocument/2006/relationships" xmlns:p="http://schemas.openxmlformats.org/presentationml/2006/main">
+  <p:cSld>
+    <p:spTree>
+      <p:nvGrpSpPr>
+        <p:cNvPr id="1" name=""/>
+        <p:cNvGrpSpPr/>
+        <p:nvPr/>
+      </p:nvGrpSpPr>
+      <p:grpSpPr>
+        <a:xfrm>
+          <a:off x="0" y="0"/>
+          <a:ext cx="0" cy="0"/>
+          <a:chOff x="0" y="0"/>
+          <a:chExt cx="0" cy="0"/>
+        </a:xfrm>
+      </p:grpSpPr>
+      <p:sp>
+        <p:nvSpPr>
+          <p:cNvPr id="2" name="Title 1"/>
+          <p:cNvSpPr>
+            <a:spLocks noGrp="1"/>
+          </p:cNvSpPr>
+          <p:nvPr>
+            <p:ph type="title"/>
+          </p:nvPr>
+        </p:nvSpPr>
+        <p:spPr/>
+        <p:txBody>
+          <a:bodyPr/>
+          <a:lstStyle/>
+          <a:p>
+            <a:r>
+              <a:rPr lang="en-US" dirty="0"/>
+              <a:t>T.E.A.</a:t>
+            </a:r>
+            <a:br>
+              <a:rPr lang="en-US" dirty="0"/>
+            </a:br>
+            <a:r>
+              <a:rPr lang="en-US" dirty="0"/>
+              <a:t>(Technical Educational Advancements)</a:t>
+            </a:r>
+            <a:br>
+              <a:rPr lang="en-US" dirty="0"/>
+            </a:br>
+            <a:r>
+              <a:rPr lang="en-US" sz="1600" dirty="0"/>
+              <a:t>(Also known as “What we learned”)</a:t>
+            </a:r>
+            <a:endParaRPr lang="en-US" dirty="0"/>
+          </a:p>
+        </p:txBody>
+      </p:sp>
+      <p:sp>
+        <p:nvSpPr>
+          <p:cNvPr id="3" name="Content Placeholder 2"/>
+          <p:cNvSpPr>
+            <a:spLocks noGrp="1"/>
+          </p:cNvSpPr>
+          <p:nvPr>
+            <p:ph idx="1"/>
+          </p:nvPr>
+        </p:nvSpPr>
+        <p:spPr/>
+        <p:txBody>
+          <a:bodyPr/>
+          <a:lstStyle/>
+          <a:p>
+            <a:r>
+              <a:rPr lang="en-US" dirty="0" smtClean="0"/>
+              <a:t>Listing items in </a:t>
+            </a:r>
+            <a:r>
+              <a:rPr lang="en-US" dirty="0" err="1" smtClean="0"/>
+              <a:t>ComboBox</a:t>
+            </a:r>
+            <a:r>
+              <a:rPr lang="en-US" dirty="0" smtClean="0"/>
+              <a:t> from Database.</a:t>
+            </a:r>
+          </a:p>
+          <a:p>
+            <a:endParaRPr lang="en-US" dirty="0" smtClean="0"/>
+          </a:p>
+          <a:p>
+            <a:endParaRPr lang="en-US" dirty="0"/>
+          </a:p>
+          <a:p>
+            <a:endParaRPr lang="en-US" dirty="0" smtClean="0"/>
+          </a:p>
+          <a:p>
+            <a:endParaRPr lang="en-US" dirty="0"/>
+          </a:p>
+          <a:p>
+            <a:endParaRPr lang="en-US" dirty="0"/>
+          </a:p>
+        </p:txBody>
+      </p:sp>
+      <p:pic>
+        <p:nvPicPr>
+          <p:cNvPr id="4" name="Content Placeholder 3"/>
+          <p:cNvPicPr>
+            <a:picLocks noChangeAspect="1"/>
+          </p:cNvPicPr>
+          <p:nvPr/>
+        </p:nvPicPr>
+        <p:blipFill>
+          <a:blip r:embed="rId2">
+            <a:extLst>
+              <a:ext uri="{28A0092B-C50C-407E-A947-70E740481C1C}">
+                <a14:useLocalDpi xmlns:a14="http://schemas.microsoft.com/office/drawing/2010/main" val="0"/>
+              </a:ext>
+            </a:extLst>
+          </a:blip>
+          <a:stretch>
+            <a:fillRect/>
+          </a:stretch>
+        </p:blipFill>
+        <p:spPr>
+          <a:xfrm>
+            <a:off x="8017699" y="89848"/>
+            <a:ext cx="1521718" cy="1472251"/>
+          </a:xfrm>
+          <a:prstGeom prst="rect">
+            <a:avLst/>
+          </a:prstGeom>
+        </p:spPr>
+      </p:pic>
+      <p:pic>
+        <p:nvPicPr>
+          <p:cNvPr id="5" name="Picture 4"/>
+          <p:cNvPicPr>
+            <a:picLocks noChangeAspect="1"/>
+          </p:cNvPicPr>
+          <p:nvPr/>
+        </p:nvPicPr>
+        <p:blipFill>
+          <a:blip r:embed="rId3">
+            <a:extLst>
+              <a:ext uri="{28A0092B-C50C-407E-A947-70E740481C1C}">
+                <a14:useLocalDpi xmlns:a14="http://schemas.microsoft.com/office/drawing/2010/main" val="0"/>
+              </a:ext>
+            </a:extLst>
+          </a:blip>
+          <a:stretch>
+            <a:fillRect/>
+          </a:stretch>
+        </p:blipFill>
+        <p:spPr>
+          <a:xfrm>
+            <a:off x="3310455" y="3336324"/>
+            <a:ext cx="7680678" cy="3299253"/>
+          </a:xfrm>
+          <a:prstGeom prst="rect">
+            <a:avLst/>
+          </a:prstGeom>
+        </p:spPr>
+      </p:pic>
+    </p:spTree>
+    <p:extLst>
+      <p:ext uri="{BB962C8B-B14F-4D97-AF65-F5344CB8AC3E}">
+        <p14:creationId xmlns:p14="http://schemas.microsoft.com/office/powerpoint/2010/main" val="1552215310"/>
+      </p:ext>
+    </p:extLst>
+  </p:cSld>
+  <p:clrMapOvr>
+    <a:masterClrMapping/>
+  </p:clrMapOvr>
+</p:sld>
+</file>
+
+<file path=ppt/slides/slide9.xml><?xml version="1.0" encoding="utf-8"?>
+<p:sld xmlns:a="http://schemas.openxmlformats.org/drawingml/2006/main" xmlns:r="http://schemas.openxmlformats.org/officeDocument/2006/relationships" xmlns:p="http://schemas.openxmlformats.org/presentationml/2006/main">
+  <p:cSld>
+    <p:spTree>
+      <p:nvGrpSpPr>
+        <p:cNvPr id="1" name=""/>
+        <p:cNvGrpSpPr/>
+        <p:nvPr/>
+      </p:nvGrpSpPr>
+      <p:grpSpPr>
+        <a:xfrm>
+          <a:off x="0" y="0"/>
+          <a:ext cx="0" cy="0"/>
+          <a:chOff x="0" y="0"/>
+          <a:chExt cx="0" cy="0"/>
+        </a:xfrm>
+      </p:grpSpPr>
+      <p:sp>
+        <p:nvSpPr>
+          <p:cNvPr id="3" name="Content Placeholder 2"/>
+          <p:cNvSpPr>
+            <a:spLocks noGrp="1"/>
+          </p:cNvSpPr>
+          <p:nvPr>
+            <p:ph idx="1"/>
+          </p:nvPr>
+        </p:nvSpPr>
+        <p:spPr>
+          <a:xfrm>
+            <a:off x="1484310" y="1075039"/>
+            <a:ext cx="10018713" cy="4716162"/>
+          </a:xfrm>
+        </p:spPr>
+        <p:txBody>
+          <a:bodyPr/>
+          <a:lstStyle/>
+          <a:p>
+            <a:r>
+              <a:rPr lang="en-US" dirty="0" smtClean="0"/>
+              <a:t>Connecting to another window.</a:t>
+            </a:r>
+          </a:p>
+          <a:p>
+            <a:endParaRPr lang="en-US" dirty="0"/>
+          </a:p>
+          <a:p>
+            <a:endParaRPr lang="en-US" dirty="0" smtClean="0"/>
+          </a:p>
+          <a:p>
+            <a:endParaRPr lang="en-US" dirty="0"/>
+          </a:p>
+          <a:p>
+            <a:endParaRPr lang="en-US" dirty="0" smtClean="0"/>
+          </a:p>
+          <a:p>
+            <a:endParaRPr lang="en-US" dirty="0"/>
+          </a:p>
+        </p:txBody>
+      </p:sp>
+      <p:pic>
+        <p:nvPicPr>
+          <p:cNvPr id="5" name="Picture 4"/>
+          <p:cNvPicPr>
+            <a:picLocks noChangeAspect="1"/>
+          </p:cNvPicPr>
+          <p:nvPr/>
+        </p:nvPicPr>
+        <p:blipFill>
+          <a:blip r:embed="rId2">
+            <a:extLst>
+              <a:ext uri="{28A0092B-C50C-407E-A947-70E740481C1C}">
+                <a14:useLocalDpi xmlns:a14="http://schemas.microsoft.com/office/drawing/2010/main" val="0"/>
+              </a:ext>
+            </a:extLst>
+          </a:blip>
+          <a:stretch>
+            <a:fillRect/>
+          </a:stretch>
+        </p:blipFill>
+        <p:spPr>
+          <a:xfrm>
+            <a:off x="2269275" y="3065405"/>
+            <a:ext cx="8135114" cy="1889653"/>
+          </a:xfrm>
+          <a:prstGeom prst="rect">
+            <a:avLst/>
+          </a:prstGeom>
+        </p:spPr>
+      </p:pic>
+    </p:spTree>
+    <p:extLst>
+      <p:ext uri="{BB962C8B-B14F-4D97-AF65-F5344CB8AC3E}">
+        <p14:creationId xmlns:p14="http://schemas.microsoft.com/office/powerpoint/2010/main" val="1833283282"/>
       </p:ext>
     </p:extLst>
   </p:cSld>

--- a/ProjectHealthPPT.pptx
+++ b/ProjectHealthPPT.pptx
@@ -5,7 +5,7 @@
     <p:sldMasterId id="2147483875" r:id="rId1"/>
   </p:sldMasterIdLst>
   <p:notesMasterIdLst>
-    <p:notesMasterId r:id="rId14"/>
+    <p:notesMasterId r:id="rId15"/>
   </p:notesMasterIdLst>
   <p:sldIdLst>
     <p:sldId id="256" r:id="rId2"/>
@@ -16,10 +16,11 @@
     <p:sldId id="265" r:id="rId7"/>
     <p:sldId id="261" r:id="rId8"/>
     <p:sldId id="262" r:id="rId9"/>
-    <p:sldId id="268" r:id="rId10"/>
-    <p:sldId id="263" r:id="rId11"/>
-    <p:sldId id="264" r:id="rId12"/>
-    <p:sldId id="266" r:id="rId13"/>
+    <p:sldId id="269" r:id="rId10"/>
+    <p:sldId id="268" r:id="rId11"/>
+    <p:sldId id="263" r:id="rId12"/>
+    <p:sldId id="264" r:id="rId13"/>
+    <p:sldId id="266" r:id="rId14"/>
   </p:sldIdLst>
   <p:sldSz cx="12192000" cy="6858000"/>
   <p:notesSz cx="6858000" cy="9144000"/>
@@ -208,7 +209,7 @@
           <a:p>
             <a:fld id="{A3223976-33E3-D248-BAF5-5B38B964CEC8}" type="datetimeFigureOut">
               <a:rPr lang="en-US" smtClean="0"/>
-              <a:t>9/15/16</a:t>
+              <a:t>9/16/2016</a:t>
             </a:fld>
             <a:endParaRPr lang="en-US"/>
           </a:p>
@@ -272,38 +273,37 @@
           <a:p>
             <a:pPr lvl="0"/>
             <a:r>
-              <a:rPr lang="en-US" smtClean="0"/>
+              <a:rPr lang="en-US"/>
               <a:t>Click to edit Master text styles</a:t>
             </a:r>
           </a:p>
           <a:p>
             <a:pPr lvl="1"/>
             <a:r>
-              <a:rPr lang="en-US" smtClean="0"/>
+              <a:rPr lang="en-US"/>
               <a:t>Second level</a:t>
             </a:r>
           </a:p>
           <a:p>
             <a:pPr lvl="2"/>
             <a:r>
-              <a:rPr lang="en-US" smtClean="0"/>
+              <a:rPr lang="en-US"/>
               <a:t>Third level</a:t>
             </a:r>
           </a:p>
           <a:p>
             <a:pPr lvl="3"/>
             <a:r>
-              <a:rPr lang="en-US" smtClean="0"/>
+              <a:rPr lang="en-US"/>
               <a:t>Fourth level</a:t>
             </a:r>
           </a:p>
           <a:p>
             <a:pPr lvl="4"/>
             <a:r>
-              <a:rPr lang="en-US" smtClean="0"/>
+              <a:rPr lang="en-US"/>
               <a:t>Fifth level</a:t>
             </a:r>
-            <a:endParaRPr lang="en-US"/>
           </a:p>
         </p:txBody>
       </p:sp>
@@ -919,7 +919,7 @@
           </a:lstStyle>
           <a:p>
             <a:r>
-              <a:rPr lang="en-US" smtClean="0"/>
+              <a:rPr lang="en-US"/>
               <a:t>Click to edit Master title style</a:t>
             </a:r>
             <a:endParaRPr lang="en-US" dirty="0"/>
@@ -1038,7 +1038,7 @@
           </a:lstStyle>
           <a:p>
             <a:r>
-              <a:rPr lang="en-US" smtClean="0"/>
+              <a:rPr lang="en-US"/>
               <a:t>Click to edit Master subtitle style</a:t>
             </a:r>
             <a:endParaRPr lang="en-US" dirty="0"/>
@@ -1062,7 +1062,7 @@
           <a:p>
             <a:fld id="{48A87A34-81AB-432B-8DAE-1953F412C126}" type="datetimeFigureOut">
               <a:rPr lang="en-US" smtClean="0"/>
-              <a:t>9/15/16</a:t>
+              <a:t>9/16/2016</a:t>
             </a:fld>
             <a:endParaRPr lang="en-US" dirty="0"/>
           </a:p>
@@ -1177,7 +1177,7 @@
           </a:lstStyle>
           <a:p>
             <a:r>
-              <a:rPr lang="en-US" smtClean="0"/>
+              <a:rPr lang="en-US"/>
               <a:t>Click to edit Master title style</a:t>
             </a:r>
             <a:endParaRPr lang="en-US" dirty="0"/>
@@ -1272,7 +1272,7 @@
           </a:lstStyle>
           <a:p>
             <a:r>
-              <a:rPr lang="en-US" smtClean="0"/>
+              <a:rPr lang="en-US"/>
               <a:t>Drag picture to placeholder or click icon to add</a:t>
             </a:r>
             <a:endParaRPr lang="en-US" dirty="0"/>
@@ -1340,7 +1340,7 @@
           <a:p>
             <a:pPr lvl="0"/>
             <a:r>
-              <a:rPr lang="en-US" smtClean="0"/>
+              <a:rPr lang="en-US"/>
               <a:t>Click to edit Master text styles</a:t>
             </a:r>
           </a:p>
@@ -1364,7 +1364,7 @@
             <a:fld id="{48A87A34-81AB-432B-8DAE-1953F412C126}" type="datetimeFigureOut">
               <a:rPr lang="en-US" smtClean="0"/>
               <a:pPr/>
-              <a:t>9/15/16</a:t>
+              <a:t>9/16/2016</a:t>
             </a:fld>
             <a:endParaRPr lang="en-US" dirty="0"/>
           </a:p>
@@ -1470,7 +1470,7 @@
           </a:lstStyle>
           <a:p>
             <a:r>
-              <a:rPr lang="en-US" smtClean="0"/>
+              <a:rPr lang="en-US"/>
               <a:t>Click to edit Master title style</a:t>
             </a:r>
             <a:endParaRPr lang="en-US" dirty="0"/>
@@ -1590,7 +1590,7 @@
           <a:p>
             <a:pPr lvl="0"/>
             <a:r>
-              <a:rPr lang="en-US" smtClean="0"/>
+              <a:rPr lang="en-US"/>
               <a:t>Click to edit Master text styles</a:t>
             </a:r>
           </a:p>
@@ -1614,7 +1614,7 @@
             <a:fld id="{48A87A34-81AB-432B-8DAE-1953F412C126}" type="datetimeFigureOut">
               <a:rPr lang="en-US" smtClean="0"/>
               <a:pPr/>
-              <a:t>9/15/16</a:t>
+              <a:t>9/16/2016</a:t>
             </a:fld>
             <a:endParaRPr lang="en-US" dirty="0"/>
           </a:p>
@@ -1956,7 +1956,7 @@
           </a:lstStyle>
           <a:p>
             <a:r>
-              <a:rPr lang="en-US" smtClean="0"/>
+              <a:rPr lang="en-US"/>
               <a:t>Click to edit Master title style</a:t>
             </a:r>
             <a:endParaRPr lang="en-US" dirty="0"/>
@@ -2013,7 +2013,7 @@
           <a:p>
             <a:pPr lvl="0"/>
             <a:r>
-              <a:rPr lang="en-US" smtClean="0"/>
+              <a:rPr lang="en-US"/>
               <a:t>Click to edit Master text styles</a:t>
             </a:r>
           </a:p>
@@ -2132,7 +2132,7 @@
           <a:p>
             <a:pPr lvl="0"/>
             <a:r>
-              <a:rPr lang="en-US" smtClean="0"/>
+              <a:rPr lang="en-US"/>
               <a:t>Click to edit Master text styles</a:t>
             </a:r>
           </a:p>
@@ -2156,7 +2156,7 @@
             <a:fld id="{48A87A34-81AB-432B-8DAE-1953F412C126}" type="datetimeFigureOut">
               <a:rPr lang="en-US" smtClean="0"/>
               <a:pPr/>
-              <a:t>9/15/16</a:t>
+              <a:t>9/16/2016</a:t>
             </a:fld>
             <a:endParaRPr lang="en-US" dirty="0"/>
           </a:p>
@@ -2262,7 +2262,7 @@
           </a:lstStyle>
           <a:p>
             <a:r>
-              <a:rPr lang="en-US" smtClean="0"/>
+              <a:rPr lang="en-US"/>
               <a:t>Click to edit Master title style</a:t>
             </a:r>
             <a:endParaRPr lang="en-US" dirty="0"/>
@@ -2382,7 +2382,7 @@
           <a:p>
             <a:pPr lvl="0"/>
             <a:r>
-              <a:rPr lang="en-US" smtClean="0"/>
+              <a:rPr lang="en-US"/>
               <a:t>Click to edit Master text styles</a:t>
             </a:r>
           </a:p>
@@ -2406,7 +2406,7 @@
             <a:fld id="{48A87A34-81AB-432B-8DAE-1953F412C126}" type="datetimeFigureOut">
               <a:rPr lang="en-US" smtClean="0"/>
               <a:pPr/>
-              <a:t>9/15/16</a:t>
+              <a:t>9/16/2016</a:t>
             </a:fld>
             <a:endParaRPr lang="en-US" dirty="0"/>
           </a:p>
@@ -2748,7 +2748,7 @@
           </a:lstStyle>
           <a:p>
             <a:r>
-              <a:rPr lang="en-US" smtClean="0"/>
+              <a:rPr lang="en-US"/>
               <a:t>Click to edit Master title style</a:t>
             </a:r>
             <a:endParaRPr lang="en-US" dirty="0"/>
@@ -2797,7 +2797,7 @@
               <a:buNone/>
             </a:pPr>
             <a:r>
-              <a:rPr lang="en-US" smtClean="0"/>
+              <a:rPr lang="en-US"/>
               <a:t>Click to edit Master text styles</a:t>
             </a:r>
           </a:p>
@@ -2916,7 +2916,7 @@
           <a:p>
             <a:pPr lvl="0"/>
             <a:r>
-              <a:rPr lang="en-US" smtClean="0"/>
+              <a:rPr lang="en-US"/>
               <a:t>Click to edit Master text styles</a:t>
             </a:r>
           </a:p>
@@ -2940,7 +2940,7 @@
             <a:fld id="{48A87A34-81AB-432B-8DAE-1953F412C126}" type="datetimeFigureOut">
               <a:rPr lang="en-US" smtClean="0"/>
               <a:pPr/>
-              <a:t>9/15/16</a:t>
+              <a:t>9/16/2016</a:t>
             </a:fld>
             <a:endParaRPr lang="en-US" dirty="0"/>
           </a:p>
@@ -3047,7 +3047,7 @@
           <a:p>
             <a:pPr marL="0" lvl="0"/>
             <a:r>
-              <a:rPr lang="en-US" smtClean="0"/>
+              <a:rPr lang="en-US"/>
               <a:t>Click to edit Master title style</a:t>
             </a:r>
             <a:endParaRPr lang="en-US" dirty="0"/>
@@ -3096,7 +3096,7 @@
               <a:buNone/>
             </a:pPr>
             <a:r>
-              <a:rPr lang="en-US" smtClean="0"/>
+              <a:rPr lang="en-US"/>
               <a:t>Click to edit Master text styles</a:t>
             </a:r>
           </a:p>
@@ -3215,7 +3215,7 @@
           <a:p>
             <a:pPr lvl="0"/>
             <a:r>
-              <a:rPr lang="en-US" smtClean="0"/>
+              <a:rPr lang="en-US"/>
               <a:t>Click to edit Master text styles</a:t>
             </a:r>
           </a:p>
@@ -3239,7 +3239,7 @@
             <a:fld id="{48A87A34-81AB-432B-8DAE-1953F412C126}" type="datetimeFigureOut">
               <a:rPr lang="en-US" smtClean="0"/>
               <a:pPr/>
-              <a:t>9/15/16</a:t>
+              <a:t>9/16/2016</a:t>
             </a:fld>
             <a:endParaRPr lang="en-US" dirty="0"/>
           </a:p>
@@ -3338,7 +3338,7 @@
           </a:lstStyle>
           <a:p>
             <a:r>
-              <a:rPr lang="en-US" smtClean="0"/>
+              <a:rPr lang="en-US"/>
               <a:t>Click to edit Master title style</a:t>
             </a:r>
             <a:endParaRPr lang="en-US" dirty="0"/>
@@ -3362,35 +3362,35 @@
           <a:p>
             <a:pPr lvl="0"/>
             <a:r>
-              <a:rPr lang="en-US" smtClean="0"/>
+              <a:rPr lang="en-US"/>
               <a:t>Click to edit Master text styles</a:t>
             </a:r>
           </a:p>
           <a:p>
             <a:pPr lvl="1"/>
             <a:r>
-              <a:rPr lang="en-US" smtClean="0"/>
+              <a:rPr lang="en-US"/>
               <a:t>Second level</a:t>
             </a:r>
           </a:p>
           <a:p>
             <a:pPr lvl="2"/>
             <a:r>
-              <a:rPr lang="en-US" smtClean="0"/>
+              <a:rPr lang="en-US"/>
               <a:t>Third level</a:t>
             </a:r>
           </a:p>
           <a:p>
             <a:pPr lvl="3"/>
             <a:r>
-              <a:rPr lang="en-US" smtClean="0"/>
+              <a:rPr lang="en-US"/>
               <a:t>Fourth level</a:t>
             </a:r>
           </a:p>
           <a:p>
             <a:pPr lvl="4"/>
             <a:r>
-              <a:rPr lang="en-US" smtClean="0"/>
+              <a:rPr lang="en-US"/>
               <a:t>Fifth level</a:t>
             </a:r>
             <a:endParaRPr lang="en-US" dirty="0"/>
@@ -3414,7 +3414,7 @@
           <a:p>
             <a:fld id="{48A87A34-81AB-432B-8DAE-1953F412C126}" type="datetimeFigureOut">
               <a:rPr lang="en-US" smtClean="0"/>
-              <a:t>9/15/16</a:t>
+              <a:t>9/16/2016</a:t>
             </a:fld>
             <a:endParaRPr lang="en-US" dirty="0"/>
           </a:p>
@@ -3513,7 +3513,7 @@
           <a:lstStyle/>
           <a:p>
             <a:r>
-              <a:rPr lang="en-US" smtClean="0"/>
+              <a:rPr lang="en-US"/>
               <a:t>Click to edit Master title style</a:t>
             </a:r>
             <a:endParaRPr lang="en-US" dirty="0"/>
@@ -3542,35 +3542,35 @@
           <a:p>
             <a:pPr lvl="0"/>
             <a:r>
-              <a:rPr lang="en-US" smtClean="0"/>
+              <a:rPr lang="en-US"/>
               <a:t>Click to edit Master text styles</a:t>
             </a:r>
           </a:p>
           <a:p>
             <a:pPr lvl="1"/>
             <a:r>
-              <a:rPr lang="en-US" smtClean="0"/>
+              <a:rPr lang="en-US"/>
               <a:t>Second level</a:t>
             </a:r>
           </a:p>
           <a:p>
             <a:pPr lvl="2"/>
             <a:r>
-              <a:rPr lang="en-US" smtClean="0"/>
+              <a:rPr lang="en-US"/>
               <a:t>Third level</a:t>
             </a:r>
           </a:p>
           <a:p>
             <a:pPr lvl="3"/>
             <a:r>
-              <a:rPr lang="en-US" smtClean="0"/>
+              <a:rPr lang="en-US"/>
               <a:t>Fourth level</a:t>
             </a:r>
           </a:p>
           <a:p>
             <a:pPr lvl="4"/>
             <a:r>
-              <a:rPr lang="en-US" smtClean="0"/>
+              <a:rPr lang="en-US"/>
               <a:t>Fifth level</a:t>
             </a:r>
             <a:endParaRPr lang="en-US" dirty="0"/>
@@ -3594,7 +3594,7 @@
           <a:p>
             <a:fld id="{48A87A34-81AB-432B-8DAE-1953F412C126}" type="datetimeFigureOut">
               <a:rPr lang="en-US" smtClean="0"/>
-              <a:t>9/15/16</a:t>
+              <a:t>9/16/2016</a:t>
             </a:fld>
             <a:endParaRPr lang="en-US" dirty="0"/>
           </a:p>
@@ -3693,7 +3693,7 @@
           <a:lstStyle/>
           <a:p>
             <a:r>
-              <a:rPr lang="en-US" smtClean="0"/>
+              <a:rPr lang="en-US"/>
               <a:t>Click to edit Master title style</a:t>
             </a:r>
             <a:endParaRPr lang="en-US" dirty="0"/>
@@ -3717,35 +3717,35 @@
           <a:p>
             <a:pPr lvl="0"/>
             <a:r>
-              <a:rPr lang="en-US" smtClean="0"/>
+              <a:rPr lang="en-US"/>
               <a:t>Click to edit Master text styles</a:t>
             </a:r>
           </a:p>
           <a:p>
             <a:pPr lvl="1"/>
             <a:r>
-              <a:rPr lang="en-US" smtClean="0"/>
+              <a:rPr lang="en-US"/>
               <a:t>Second level</a:t>
             </a:r>
           </a:p>
           <a:p>
             <a:pPr lvl="2"/>
             <a:r>
-              <a:rPr lang="en-US" smtClean="0"/>
+              <a:rPr lang="en-US"/>
               <a:t>Third level</a:t>
             </a:r>
           </a:p>
           <a:p>
             <a:pPr lvl="3"/>
             <a:r>
-              <a:rPr lang="en-US" smtClean="0"/>
+              <a:rPr lang="en-US"/>
               <a:t>Fourth level</a:t>
             </a:r>
           </a:p>
           <a:p>
             <a:pPr lvl="4"/>
             <a:r>
-              <a:rPr lang="en-US" smtClean="0"/>
+              <a:rPr lang="en-US"/>
               <a:t>Fifth level</a:t>
             </a:r>
             <a:endParaRPr lang="en-US" dirty="0"/>
@@ -3769,7 +3769,7 @@
           <a:p>
             <a:fld id="{48A87A34-81AB-432B-8DAE-1953F412C126}" type="datetimeFigureOut">
               <a:rPr lang="en-US" smtClean="0"/>
-              <a:t>9/15/16</a:t>
+              <a:t>9/16/2016</a:t>
             </a:fld>
             <a:endParaRPr lang="en-US" dirty="0"/>
           </a:p>
@@ -3877,7 +3877,7 @@
           </a:lstStyle>
           <a:p>
             <a:r>
-              <a:rPr lang="en-US" smtClean="0"/>
+              <a:rPr lang="en-US"/>
               <a:t>Click to edit Master title style</a:t>
             </a:r>
             <a:endParaRPr lang="en-US" dirty="0"/>
@@ -3997,7 +3997,7 @@
           <a:p>
             <a:pPr lvl="0"/>
             <a:r>
-              <a:rPr lang="en-US" smtClean="0"/>
+              <a:rPr lang="en-US"/>
               <a:t>Click to edit Master text styles</a:t>
             </a:r>
           </a:p>
@@ -4020,7 +4020,7 @@
           <a:p>
             <a:fld id="{48A87A34-81AB-432B-8DAE-1953F412C126}" type="datetimeFigureOut">
               <a:rPr lang="en-US" smtClean="0"/>
-              <a:t>9/15/16</a:t>
+              <a:t>9/16/2016</a:t>
             </a:fld>
             <a:endParaRPr lang="en-US" dirty="0"/>
           </a:p>
@@ -4124,7 +4124,7 @@
           <a:lstStyle/>
           <a:p>
             <a:r>
-              <a:rPr lang="en-US" smtClean="0"/>
+              <a:rPr lang="en-US"/>
               <a:t>Click to edit Master title style</a:t>
             </a:r>
             <a:endParaRPr lang="en-US" dirty="0"/>
@@ -4183,35 +4183,35 @@
           <a:p>
             <a:pPr lvl="0"/>
             <a:r>
-              <a:rPr lang="en-US" smtClean="0"/>
+              <a:rPr lang="en-US"/>
               <a:t>Click to edit Master text styles</a:t>
             </a:r>
           </a:p>
           <a:p>
             <a:pPr lvl="1"/>
             <a:r>
-              <a:rPr lang="en-US" smtClean="0"/>
+              <a:rPr lang="en-US"/>
               <a:t>Second level</a:t>
             </a:r>
           </a:p>
           <a:p>
             <a:pPr lvl="2"/>
             <a:r>
-              <a:rPr lang="en-US" smtClean="0"/>
+              <a:rPr lang="en-US"/>
               <a:t>Third level</a:t>
             </a:r>
           </a:p>
           <a:p>
             <a:pPr lvl="3"/>
             <a:r>
-              <a:rPr lang="en-US" smtClean="0"/>
+              <a:rPr lang="en-US"/>
               <a:t>Fourth level</a:t>
             </a:r>
           </a:p>
           <a:p>
             <a:pPr lvl="4"/>
             <a:r>
-              <a:rPr lang="en-US" smtClean="0"/>
+              <a:rPr lang="en-US"/>
               <a:t>Fifth level</a:t>
             </a:r>
             <a:endParaRPr lang="en-US" dirty="0"/>
@@ -4270,35 +4270,35 @@
           <a:p>
             <a:pPr lvl="0"/>
             <a:r>
-              <a:rPr lang="en-US" smtClean="0"/>
+              <a:rPr lang="en-US"/>
               <a:t>Click to edit Master text styles</a:t>
             </a:r>
           </a:p>
           <a:p>
             <a:pPr lvl="1"/>
             <a:r>
-              <a:rPr lang="en-US" smtClean="0"/>
+              <a:rPr lang="en-US"/>
               <a:t>Second level</a:t>
             </a:r>
           </a:p>
           <a:p>
             <a:pPr lvl="2"/>
             <a:r>
-              <a:rPr lang="en-US" smtClean="0"/>
+              <a:rPr lang="en-US"/>
               <a:t>Third level</a:t>
             </a:r>
           </a:p>
           <a:p>
             <a:pPr lvl="3"/>
             <a:r>
-              <a:rPr lang="en-US" smtClean="0"/>
+              <a:rPr lang="en-US"/>
               <a:t>Fourth level</a:t>
             </a:r>
           </a:p>
           <a:p>
             <a:pPr lvl="4"/>
             <a:r>
-              <a:rPr lang="en-US" smtClean="0"/>
+              <a:rPr lang="en-US"/>
               <a:t>Fifth level</a:t>
             </a:r>
             <a:endParaRPr lang="en-US" dirty="0"/>
@@ -4322,7 +4322,7 @@
           <a:p>
             <a:fld id="{48A87A34-81AB-432B-8DAE-1953F412C126}" type="datetimeFigureOut">
               <a:rPr lang="en-US" smtClean="0"/>
-              <a:t>9/15/16</a:t>
+              <a:t>9/16/2016</a:t>
             </a:fld>
             <a:endParaRPr lang="en-US" dirty="0"/>
           </a:p>
@@ -4420,7 +4420,7 @@
           </a:lstStyle>
           <a:p>
             <a:r>
-              <a:rPr lang="en-US" smtClean="0"/>
+              <a:rPr lang="en-US"/>
               <a:t>Click to edit Master title style</a:t>
             </a:r>
             <a:endParaRPr lang="en-US" dirty="0"/>
@@ -4494,7 +4494,7 @@
           <a:p>
             <a:pPr lvl="0"/>
             <a:r>
-              <a:rPr lang="en-US" smtClean="0"/>
+              <a:rPr lang="en-US"/>
               <a:t>Click to edit Master text styles</a:t>
             </a:r>
           </a:p>
@@ -4552,35 +4552,35 @@
           <a:p>
             <a:pPr lvl="0"/>
             <a:r>
-              <a:rPr lang="en-US" smtClean="0"/>
+              <a:rPr lang="en-US"/>
               <a:t>Click to edit Master text styles</a:t>
             </a:r>
           </a:p>
           <a:p>
             <a:pPr lvl="1"/>
             <a:r>
-              <a:rPr lang="en-US" smtClean="0"/>
+              <a:rPr lang="en-US"/>
               <a:t>Second level</a:t>
             </a:r>
           </a:p>
           <a:p>
             <a:pPr lvl="2"/>
             <a:r>
-              <a:rPr lang="en-US" smtClean="0"/>
+              <a:rPr lang="en-US"/>
               <a:t>Third level</a:t>
             </a:r>
           </a:p>
           <a:p>
             <a:pPr lvl="3"/>
             <a:r>
-              <a:rPr lang="en-US" smtClean="0"/>
+              <a:rPr lang="en-US"/>
               <a:t>Fourth level</a:t>
             </a:r>
           </a:p>
           <a:p>
             <a:pPr lvl="4"/>
             <a:r>
-              <a:rPr lang="en-US" smtClean="0"/>
+              <a:rPr lang="en-US"/>
               <a:t>Fifth level</a:t>
             </a:r>
             <a:endParaRPr lang="en-US" dirty="0"/>
@@ -4654,7 +4654,7 @@
           <a:p>
             <a:pPr lvl="0"/>
             <a:r>
-              <a:rPr lang="en-US" smtClean="0"/>
+              <a:rPr lang="en-US"/>
               <a:t>Click to edit Master text styles</a:t>
             </a:r>
           </a:p>
@@ -4712,35 +4712,35 @@
           <a:p>
             <a:pPr lvl="0"/>
             <a:r>
-              <a:rPr lang="en-US" smtClean="0"/>
+              <a:rPr lang="en-US"/>
               <a:t>Click to edit Master text styles</a:t>
             </a:r>
           </a:p>
           <a:p>
             <a:pPr lvl="1"/>
             <a:r>
-              <a:rPr lang="en-US" smtClean="0"/>
+              <a:rPr lang="en-US"/>
               <a:t>Second level</a:t>
             </a:r>
           </a:p>
           <a:p>
             <a:pPr lvl="2"/>
             <a:r>
-              <a:rPr lang="en-US" smtClean="0"/>
+              <a:rPr lang="en-US"/>
               <a:t>Third level</a:t>
             </a:r>
           </a:p>
           <a:p>
             <a:pPr lvl="3"/>
             <a:r>
-              <a:rPr lang="en-US" smtClean="0"/>
+              <a:rPr lang="en-US"/>
               <a:t>Fourth level</a:t>
             </a:r>
           </a:p>
           <a:p>
             <a:pPr lvl="4"/>
             <a:r>
-              <a:rPr lang="en-US" smtClean="0"/>
+              <a:rPr lang="en-US"/>
               <a:t>Fifth level</a:t>
             </a:r>
             <a:endParaRPr lang="en-US" dirty="0"/>
@@ -4764,7 +4764,7 @@
           <a:p>
             <a:fld id="{48A87A34-81AB-432B-8DAE-1953F412C126}" type="datetimeFigureOut">
               <a:rPr lang="en-US" smtClean="0"/>
-              <a:t>9/15/16</a:t>
+              <a:t>9/16/2016</a:t>
             </a:fld>
             <a:endParaRPr lang="en-US" dirty="0"/>
           </a:p>
@@ -4858,7 +4858,7 @@
           <a:lstStyle/>
           <a:p>
             <a:r>
-              <a:rPr lang="en-US" smtClean="0"/>
+              <a:rPr lang="en-US"/>
               <a:t>Click to edit Master title style</a:t>
             </a:r>
             <a:endParaRPr lang="en-US" dirty="0"/>
@@ -4882,7 +4882,7 @@
           <a:p>
             <a:fld id="{48A87A34-81AB-432B-8DAE-1953F412C126}" type="datetimeFigureOut">
               <a:rPr lang="en-US" smtClean="0"/>
-              <a:t>9/15/16</a:t>
+              <a:t>9/16/2016</a:t>
             </a:fld>
             <a:endParaRPr lang="en-US" dirty="0"/>
           </a:p>
@@ -4977,7 +4977,7 @@
           <a:p>
             <a:fld id="{48A87A34-81AB-432B-8DAE-1953F412C126}" type="datetimeFigureOut">
               <a:rPr lang="en-US" smtClean="0"/>
-              <a:t>9/15/16</a:t>
+              <a:t>9/16/2016</a:t>
             </a:fld>
             <a:endParaRPr lang="en-US" dirty="0"/>
           </a:p>
@@ -5087,7 +5087,7 @@
           </a:lstStyle>
           <a:p>
             <a:r>
-              <a:rPr lang="en-US" smtClean="0"/>
+              <a:rPr lang="en-US"/>
               <a:t>Click to edit Master title style</a:t>
             </a:r>
             <a:endParaRPr lang="en-US" dirty="0"/>
@@ -5146,35 +5146,35 @@
           <a:p>
             <a:pPr lvl="0"/>
             <a:r>
-              <a:rPr lang="en-US" smtClean="0"/>
+              <a:rPr lang="en-US"/>
               <a:t>Click to edit Master text styles</a:t>
             </a:r>
           </a:p>
           <a:p>
             <a:pPr lvl="1"/>
             <a:r>
-              <a:rPr lang="en-US" smtClean="0"/>
+              <a:rPr lang="en-US"/>
               <a:t>Second level</a:t>
             </a:r>
           </a:p>
           <a:p>
             <a:pPr lvl="2"/>
             <a:r>
-              <a:rPr lang="en-US" smtClean="0"/>
+              <a:rPr lang="en-US"/>
               <a:t>Third level</a:t>
             </a:r>
           </a:p>
           <a:p>
             <a:pPr lvl="3"/>
             <a:r>
-              <a:rPr lang="en-US" smtClean="0"/>
+              <a:rPr lang="en-US"/>
               <a:t>Fourth level</a:t>
             </a:r>
           </a:p>
           <a:p>
             <a:pPr lvl="4"/>
             <a:r>
-              <a:rPr lang="en-US" smtClean="0"/>
+              <a:rPr lang="en-US"/>
               <a:t>Fifth level</a:t>
             </a:r>
             <a:endParaRPr lang="en-US" dirty="0"/>
@@ -5242,7 +5242,7 @@
           <a:p>
             <a:pPr lvl="0"/>
             <a:r>
-              <a:rPr lang="en-US" smtClean="0"/>
+              <a:rPr lang="en-US"/>
               <a:t>Click to edit Master text styles</a:t>
             </a:r>
           </a:p>
@@ -5265,7 +5265,7 @@
           <a:p>
             <a:fld id="{48A87A34-81AB-432B-8DAE-1953F412C126}" type="datetimeFigureOut">
               <a:rPr lang="en-US" smtClean="0"/>
-              <a:t>9/15/16</a:t>
+              <a:t>9/16/2016</a:t>
             </a:fld>
             <a:endParaRPr lang="en-US" dirty="0"/>
           </a:p>
@@ -5375,7 +5375,7 @@
           </a:lstStyle>
           <a:p>
             <a:r>
-              <a:rPr lang="en-US" smtClean="0"/>
+              <a:rPr lang="en-US"/>
               <a:t>Click to edit Master title style</a:t>
             </a:r>
             <a:endParaRPr lang="en-US" dirty="0"/>
@@ -5470,7 +5470,7 @@
           </a:lstStyle>
           <a:p>
             <a:r>
-              <a:rPr lang="en-US" smtClean="0"/>
+              <a:rPr lang="en-US"/>
               <a:t>Drag picture to placeholder or click icon to add</a:t>
             </a:r>
             <a:endParaRPr lang="en-US" dirty="0"/>
@@ -5538,7 +5538,7 @@
           <a:p>
             <a:pPr lvl="0"/>
             <a:r>
-              <a:rPr lang="en-US" smtClean="0"/>
+              <a:rPr lang="en-US"/>
               <a:t>Click to edit Master text styles</a:t>
             </a:r>
           </a:p>
@@ -5562,7 +5562,7 @@
             <a:fld id="{48A87A34-81AB-432B-8DAE-1953F412C126}" type="datetimeFigureOut">
               <a:rPr lang="en-US" smtClean="0"/>
               <a:pPr/>
-              <a:t>9/15/16</a:t>
+              <a:t>9/16/2016</a:t>
             </a:fld>
             <a:endParaRPr lang="en-US" dirty="0"/>
           </a:p>
@@ -5988,7 +5988,7 @@
           <a:lstStyle/>
           <a:p>
             <a:r>
-              <a:rPr lang="en-US" smtClean="0"/>
+              <a:rPr lang="en-US"/>
               <a:t>Click to edit Master title style</a:t>
             </a:r>
             <a:endParaRPr lang="en-US" dirty="0"/>
@@ -6022,35 +6022,35 @@
           <a:p>
             <a:pPr lvl="0"/>
             <a:r>
-              <a:rPr lang="en-US" smtClean="0"/>
+              <a:rPr lang="en-US"/>
               <a:t>Click to edit Master text styles</a:t>
             </a:r>
           </a:p>
           <a:p>
             <a:pPr lvl="1"/>
             <a:r>
-              <a:rPr lang="en-US" smtClean="0"/>
+              <a:rPr lang="en-US"/>
               <a:t>Second level</a:t>
             </a:r>
           </a:p>
           <a:p>
             <a:pPr lvl="2"/>
             <a:r>
-              <a:rPr lang="en-US" smtClean="0"/>
+              <a:rPr lang="en-US"/>
               <a:t>Third level</a:t>
             </a:r>
           </a:p>
           <a:p>
             <a:pPr lvl="3"/>
             <a:r>
-              <a:rPr lang="en-US" smtClean="0"/>
+              <a:rPr lang="en-US"/>
               <a:t>Fourth level</a:t>
             </a:r>
           </a:p>
           <a:p>
             <a:pPr lvl="4"/>
             <a:r>
-              <a:rPr lang="en-US" smtClean="0"/>
+              <a:rPr lang="en-US"/>
               <a:t>Fifth level</a:t>
             </a:r>
             <a:endParaRPr lang="en-US" dirty="0"/>
@@ -6093,7 +6093,7 @@
             <a:fld id="{48A87A34-81AB-432B-8DAE-1953F412C126}" type="datetimeFigureOut">
               <a:rPr lang="en-US" smtClean="0"/>
               <a:pPr/>
-              <a:t>9/15/16</a:t>
+              <a:t>9/16/2016</a:t>
             </a:fld>
             <a:endParaRPr lang="en-US" dirty="0"/>
           </a:p>
@@ -6646,10 +6646,9 @@
           <a:lstStyle/>
           <a:p>
             <a:r>
-              <a:rPr lang="en-US" dirty="0" smtClean="0"/>
+              <a:rPr lang="en-US" dirty="0"/>
               <a:t>Project Health</a:t>
             </a:r>
-            <a:endParaRPr lang="en-US" dirty="0"/>
           </a:p>
         </p:txBody>
       </p:sp>
@@ -6671,24 +6670,23 @@
           <a:lstStyle/>
           <a:p>
             <a:r>
-              <a:rPr lang="en-US" dirty="0" smtClean="0"/>
+              <a:rPr lang="en-US" dirty="0"/>
               <a:t>Meal Planner</a:t>
             </a:r>
           </a:p>
           <a:p>
             <a:r>
-              <a:rPr lang="en-US" dirty="0" smtClean="0"/>
+              <a:rPr lang="en-US" dirty="0"/>
               <a:t> by </a:t>
             </a:r>
             <a:r>
-              <a:rPr lang="en-US" dirty="0" err="1" smtClean="0"/>
+              <a:rPr lang="en-US" dirty="0" err="1"/>
               <a:t>Yaoheng</a:t>
             </a:r>
             <a:r>
-              <a:rPr lang="en-US" dirty="0" smtClean="0"/>
+              <a:rPr lang="en-US" dirty="0"/>
               <a:t> Mo and Domenic Palucci</a:t>
             </a:r>
-            <a:endParaRPr lang="en-US" dirty="0"/>
           </a:p>
         </p:txBody>
       </p:sp>
@@ -6702,13 +6700,6 @@
   <p:clrMapOvr>
     <a:masterClrMapping/>
   </p:clrMapOvr>
-  <p:timing>
-    <p:tnLst>
-      <p:par>
-        <p:cTn id="1" dur="indefinite" restart="never" nodeType="tmRoot"/>
-      </p:par>
-    </p:tnLst>
-  </p:timing>
 </p:sld>
 </file>
 
@@ -6731,35 +6722,114 @@
       </p:grpSpPr>
       <p:sp>
         <p:nvSpPr>
-          <p:cNvPr id="2" name="Title 1"/>
-          <p:cNvSpPr>
-            <a:spLocks noGrp="1"/>
-          </p:cNvSpPr>
-          <p:nvPr>
-            <p:ph type="title"/>
-          </p:nvPr>
-        </p:nvSpPr>
-        <p:spPr/>
+          <p:cNvPr id="3" name="Content Placeholder 2"/>
+          <p:cNvSpPr>
+            <a:spLocks noGrp="1"/>
+          </p:cNvSpPr>
+          <p:nvPr>
+            <p:ph idx="1"/>
+          </p:nvPr>
+        </p:nvSpPr>
+        <p:spPr>
+          <a:xfrm>
+            <a:off x="1484310" y="1075039"/>
+            <a:ext cx="10018713" cy="4716162"/>
+          </a:xfrm>
+        </p:spPr>
         <p:txBody>
           <a:bodyPr/>
           <a:lstStyle/>
           <a:p>
             <a:r>
-              <a:rPr lang="en-US" dirty="0" smtClean="0"/>
-              <a:t>Future Upgrades</a:t>
-            </a:r>
-            <a:endParaRPr lang="en-US" dirty="0"/>
-          </a:p>
-        </p:txBody>
-      </p:sp>
-      <p:sp>
-        <p:nvSpPr>
-          <p:cNvPr id="3" name="Content Placeholder 2"/>
-          <p:cNvSpPr>
-            <a:spLocks noGrp="1"/>
-          </p:cNvSpPr>
-          <p:nvPr>
-            <p:ph idx="1"/>
+              <a:rPr lang="en-US" dirty="0"/>
+              <a:t>Connecting to another window.</a:t>
+            </a:r>
+          </a:p>
+          <a:p>
+            <a:endParaRPr lang="en-US" dirty="0"/>
+          </a:p>
+          <a:p>
+            <a:endParaRPr lang="en-US" dirty="0"/>
+          </a:p>
+          <a:p>
+            <a:endParaRPr lang="en-US" dirty="0"/>
+          </a:p>
+          <a:p>
+            <a:endParaRPr lang="en-US" dirty="0"/>
+          </a:p>
+          <a:p>
+            <a:endParaRPr lang="en-US" dirty="0"/>
+          </a:p>
+        </p:txBody>
+      </p:sp>
+      <p:pic>
+        <p:nvPicPr>
+          <p:cNvPr id="5" name="Picture 4"/>
+          <p:cNvPicPr>
+            <a:picLocks noChangeAspect="1"/>
+          </p:cNvPicPr>
+          <p:nvPr/>
+        </p:nvPicPr>
+        <p:blipFill>
+          <a:blip r:embed="rId2">
+            <a:extLst>
+              <a:ext uri="{28A0092B-C50C-407E-A947-70E740481C1C}">
+                <a14:useLocalDpi xmlns:a14="http://schemas.microsoft.com/office/drawing/2010/main" val="0"/>
+              </a:ext>
+            </a:extLst>
+          </a:blip>
+          <a:stretch>
+            <a:fillRect/>
+          </a:stretch>
+        </p:blipFill>
+        <p:spPr>
+          <a:xfrm>
+            <a:off x="2269275" y="3065405"/>
+            <a:ext cx="8135114" cy="1889653"/>
+          </a:xfrm>
+          <a:prstGeom prst="rect">
+            <a:avLst/>
+          </a:prstGeom>
+        </p:spPr>
+      </p:pic>
+    </p:spTree>
+    <p:extLst>
+      <p:ext uri="{BB962C8B-B14F-4D97-AF65-F5344CB8AC3E}">
+        <p14:creationId xmlns:p14="http://schemas.microsoft.com/office/powerpoint/2010/main" val="1833283282"/>
+      </p:ext>
+    </p:extLst>
+  </p:cSld>
+  <p:clrMapOvr>
+    <a:masterClrMapping/>
+  </p:clrMapOvr>
+</p:sld>
+</file>
+
+<file path=ppt/slides/slide11.xml><?xml version="1.0" encoding="utf-8"?>
+<p:sld xmlns:a="http://schemas.openxmlformats.org/drawingml/2006/main" xmlns:r="http://schemas.openxmlformats.org/officeDocument/2006/relationships" xmlns:p="http://schemas.openxmlformats.org/presentationml/2006/main">
+  <p:cSld>
+    <p:spTree>
+      <p:nvGrpSpPr>
+        <p:cNvPr id="1" name=""/>
+        <p:cNvGrpSpPr/>
+        <p:nvPr/>
+      </p:nvGrpSpPr>
+      <p:grpSpPr>
+        <a:xfrm>
+          <a:off x="0" y="0"/>
+          <a:ext cx="0" cy="0"/>
+          <a:chOff x="0" y="0"/>
+          <a:chExt cx="0" cy="0"/>
+        </a:xfrm>
+      </p:grpSpPr>
+      <p:sp>
+        <p:nvSpPr>
+          <p:cNvPr id="2" name="Title 1"/>
+          <p:cNvSpPr>
+            <a:spLocks noGrp="1"/>
+          </p:cNvSpPr>
+          <p:nvPr>
+            <p:ph type="title"/>
           </p:nvPr>
         </p:nvSpPr>
         <p:spPr/>
@@ -6768,21 +6838,43 @@
           <a:lstStyle/>
           <a:p>
             <a:r>
-              <a:rPr lang="en-US" dirty="0" smtClean="0"/>
+              <a:rPr lang="en-US" dirty="0"/>
+              <a:t>Future Upgrades</a:t>
+            </a:r>
+          </a:p>
+        </p:txBody>
+      </p:sp>
+      <p:sp>
+        <p:nvSpPr>
+          <p:cNvPr id="3" name="Content Placeholder 2"/>
+          <p:cNvSpPr>
+            <a:spLocks noGrp="1"/>
+          </p:cNvSpPr>
+          <p:nvPr>
+            <p:ph idx="1"/>
+          </p:nvPr>
+        </p:nvSpPr>
+        <p:spPr/>
+        <p:txBody>
+          <a:bodyPr/>
+          <a:lstStyle/>
+          <a:p>
+            <a:r>
+              <a:rPr lang="en-US" dirty="0"/>
               <a:t>Calendar View Window</a:t>
             </a:r>
           </a:p>
           <a:p>
             <a:r>
-              <a:rPr lang="en-US" dirty="0" smtClean="0"/>
+              <a:rPr lang="en-US" dirty="0"/>
               <a:t>Individual meal Selection, </a:t>
             </a:r>
             <a:r>
-              <a:rPr lang="en-US" dirty="0" err="1" smtClean="0"/>
+              <a:rPr lang="en-US" dirty="0" err="1"/>
               <a:t>ie</a:t>
             </a:r>
             <a:r>
-              <a:rPr lang="en-US" dirty="0" smtClean="0"/>
+              <a:rPr lang="en-US" dirty="0"/>
               <a:t>. Breakfast, Lunch, Supper, and Dessert.</a:t>
             </a:r>
           </a:p>
@@ -6804,7 +6896,7 @@
 </p:sld>
 </file>
 
-<file path=ppt/slides/slide11.xml><?xml version="1.0" encoding="utf-8"?>
+<file path=ppt/slides/slide12.xml><?xml version="1.0" encoding="utf-8"?>
 <p:sld xmlns:a="http://schemas.openxmlformats.org/drawingml/2006/main" xmlns:r="http://schemas.openxmlformats.org/officeDocument/2006/relationships" xmlns:p="http://schemas.openxmlformats.org/presentationml/2006/main">
   <p:cSld>
     <p:spTree>
@@ -6864,7 +6956,7 @@
 </p:sld>
 </file>
 
-<file path=ppt/slides/slide12.xml><?xml version="1.0" encoding="utf-8"?>
+<file path=ppt/slides/slide13.xml><?xml version="1.0" encoding="utf-8"?>
 <p:sld xmlns:a="http://schemas.openxmlformats.org/drawingml/2006/main" xmlns:r="http://schemas.openxmlformats.org/officeDocument/2006/relationships" xmlns:p="http://schemas.openxmlformats.org/presentationml/2006/main">
   <p:cSld>
     <p:spTree>
@@ -6904,7 +6996,7 @@
           <a:lstStyle/>
           <a:p>
             <a:r>
-              <a:rPr lang="en-US" b="1" dirty="0" smtClean="0">
+              <a:rPr lang="en-US" b="1" dirty="0">
                 <a:solidFill>
                   <a:schemeClr val="accent1">
                     <a:lumMod val="50000"/>
@@ -6914,7 +7006,7 @@
               <a:t>***      No computers were harmed in the making of this Presentation or Project </a:t>
             </a:r>
             <a:r>
-              <a:rPr lang="is-IS" b="1" dirty="0" smtClean="0">
+              <a:rPr lang="is-IS" b="1" dirty="0">
                 <a:solidFill>
                   <a:schemeClr val="accent1">
                     <a:lumMod val="50000"/>
@@ -7014,10 +7106,9 @@
           <a:lstStyle/>
           <a:p>
             <a:r>
-              <a:rPr lang="en-US" dirty="0" smtClean="0"/>
+              <a:rPr lang="en-US" dirty="0"/>
               <a:t>Healthy Lifestyle</a:t>
             </a:r>
-            <a:endParaRPr lang="en-US" dirty="0"/>
           </a:p>
         </p:txBody>
       </p:sp>
@@ -7039,19 +7130,19 @@
           <a:lstStyle/>
           <a:p>
             <a:r>
-              <a:rPr lang="en-US" dirty="0" smtClean="0"/>
+              <a:rPr lang="en-US" dirty="0"/>
               <a:t>Nutrition and Exercise</a:t>
             </a:r>
           </a:p>
           <a:p>
             <a:r>
-              <a:rPr lang="en-US" dirty="0" smtClean="0"/>
+              <a:rPr lang="en-US" dirty="0"/>
               <a:t>Different types of people require different types of meals (i.e. endurance athletes vs a typical 50 year old man.</a:t>
             </a:r>
           </a:p>
           <a:p>
             <a:r>
-              <a:rPr lang="en-US" dirty="0" smtClean="0"/>
+              <a:rPr lang="en-US" dirty="0"/>
               <a:t>Daily Calorie Consumption examples:</a:t>
             </a:r>
           </a:p>
@@ -7061,7 +7152,7 @@
               <a:buAutoNum type="romanLcPeriod"/>
             </a:pPr>
             <a:r>
-              <a:rPr lang="en-US" dirty="0" smtClean="0"/>
+              <a:rPr lang="en-US" dirty="0"/>
               <a:t> Women (19-30) 2000 calories </a:t>
             </a:r>
           </a:p>
@@ -7072,25 +7163,8 @@
             </a:pPr>
             <a:r>
               <a:rPr lang="en-US" dirty="0"/>
-              <a:t>Women </a:t>
-            </a:r>
-            <a:r>
-              <a:rPr lang="en-US" dirty="0" smtClean="0"/>
-              <a:t>(31-50</a:t>
-            </a:r>
-            <a:r>
-              <a:rPr lang="en-US" dirty="0"/>
-              <a:t>) </a:t>
-            </a:r>
-            <a:r>
-              <a:rPr lang="en-US" dirty="0" smtClean="0"/>
-              <a:t>1800 </a:t>
-            </a:r>
-            <a:r>
-              <a:rPr lang="en-US" dirty="0"/>
-              <a:t>calories </a:t>
-            </a:r>
-            <a:endParaRPr lang="en-US" dirty="0" smtClean="0"/>
+              <a:t>Women (31-50) 1800 calories </a:t>
+            </a:r>
           </a:p>
           <a:p>
             <a:pPr marL="971550" lvl="1" indent="-514350">
@@ -7098,22 +7172,9 @@
               <a:buAutoNum type="romanLcPeriod"/>
             </a:pPr>
             <a:r>
-              <a:rPr lang="en-US" dirty="0" smtClean="0"/>
-              <a:t>Men </a:t>
-            </a:r>
-            <a:r>
               <a:rPr lang="en-US" dirty="0"/>
-              <a:t>(19-30) </a:t>
-            </a:r>
-            <a:r>
-              <a:rPr lang="en-US" dirty="0" smtClean="0"/>
-              <a:t>2400 </a:t>
-            </a:r>
-            <a:r>
-              <a:rPr lang="en-US" dirty="0"/>
-              <a:t>calories </a:t>
-            </a:r>
-            <a:endParaRPr lang="en-US" dirty="0" smtClean="0"/>
+              <a:t>Men (19-30) 2400 calories </a:t>
+            </a:r>
           </a:p>
           <a:p>
             <a:pPr marL="971550" lvl="1" indent="-514350">
@@ -7122,23 +7183,7 @@
             </a:pPr>
             <a:r>
               <a:rPr lang="en-US" dirty="0"/>
-              <a:t>Men </a:t>
-            </a:r>
-            <a:r>
-              <a:rPr lang="en-US" dirty="0" smtClean="0"/>
-              <a:t>(31-50</a:t>
-            </a:r>
-            <a:r>
-              <a:rPr lang="en-US" dirty="0"/>
-              <a:t>) </a:t>
-            </a:r>
-            <a:r>
-              <a:rPr lang="en-US" dirty="0" smtClean="0"/>
-              <a:t>2200 </a:t>
-            </a:r>
-            <a:r>
-              <a:rPr lang="en-US" dirty="0"/>
-              <a:t>calories </a:t>
+              <a:t>Men (31-50) 2200 calories </a:t>
             </a:r>
           </a:p>
           <a:p>
@@ -7174,13 +7219,6 @@
   <p:clrMapOvr>
     <a:masterClrMapping/>
   </p:clrMapOvr>
-  <p:timing>
-    <p:tnLst>
-      <p:par>
-        <p:cTn id="1" dur="indefinite" restart="never" nodeType="tmRoot"/>
-      </p:par>
-    </p:tnLst>
-  </p:timing>
 </p:sld>
 </file>
 
@@ -7217,21 +7255,16 @@
           <a:lstStyle/>
           <a:p>
             <a:r>
-              <a:rPr lang="en-US" dirty="0" smtClean="0"/>
+              <a:rPr lang="en-US" dirty="0"/>
               <a:t>MEAL PLANNER – The Idea</a:t>
             </a:r>
             <a:br>
-              <a:rPr lang="en-US" dirty="0" smtClean="0"/>
+              <a:rPr lang="en-US" dirty="0"/>
             </a:br>
             <a:r>
-              <a:rPr lang="en-US" dirty="0" smtClean="0"/>
-              <a:t>If </a:t>
-            </a:r>
-            <a:r>
-              <a:rPr lang="en-US" dirty="0" smtClean="0"/>
-              <a:t>you fail to plan, then plan to fail…</a:t>
-            </a:r>
-            <a:endParaRPr lang="en-US" dirty="0"/>
+              <a:rPr lang="en-US" dirty="0"/>
+              <a:t>If you fail to plan, then plan to fail…</a:t>
+            </a:r>
           </a:p>
         </p:txBody>
       </p:sp>
@@ -7251,38 +7284,29 @@
           <a:lstStyle/>
           <a:p>
             <a:r>
-              <a:rPr lang="en-US" dirty="0" smtClean="0"/>
-              <a:t>Planning </a:t>
-            </a:r>
-            <a:r>
               <a:rPr lang="en-US" dirty="0"/>
-              <a:t>m</a:t>
-            </a:r>
-            <a:r>
-              <a:rPr lang="en-US" dirty="0" smtClean="0"/>
-              <a:t>eals helps to monitor calorie consumption.</a:t>
-            </a:r>
-          </a:p>
-          <a:p>
-            <a:r>
-              <a:rPr lang="en-US" dirty="0" smtClean="0"/>
+              <a:t>Planning meals helps to monitor calorie consumption.</a:t>
+            </a:r>
+          </a:p>
+          <a:p>
+            <a:r>
+              <a:rPr lang="en-US" dirty="0"/>
               <a:t>Provides a nutritional count for every meal of the day.</a:t>
             </a:r>
           </a:p>
           <a:p>
             <a:r>
-              <a:rPr lang="en-US" dirty="0" smtClean="0"/>
+              <a:rPr lang="en-US" dirty="0"/>
               <a:t>Provides different plan for individual’s goals, </a:t>
             </a:r>
             <a:r>
-              <a:rPr lang="en-US" dirty="0" err="1" smtClean="0"/>
+              <a:rPr lang="en-US" dirty="0" err="1"/>
               <a:t>ie</a:t>
             </a:r>
             <a:r>
-              <a:rPr lang="en-US" dirty="0" smtClean="0"/>
+              <a:rPr lang="en-US" dirty="0"/>
               <a:t>. Weight loss, or very active.</a:t>
             </a:r>
-            <a:endParaRPr lang="en-US" dirty="0"/>
           </a:p>
         </p:txBody>
       </p:sp>
@@ -7296,13 +7320,6 @@
   <p:clrMapOvr>
     <a:masterClrMapping/>
   </p:clrMapOvr>
-  <p:timing>
-    <p:tnLst>
-      <p:par>
-        <p:cTn id="1" dur="indefinite" restart="never" nodeType="tmRoot"/>
-      </p:par>
-    </p:tnLst>
-  </p:timing>
 </p:sld>
 </file>
 
@@ -7339,14 +7356,9 @@
           <a:lstStyle/>
           <a:p>
             <a:r>
-              <a:rPr lang="en-US" dirty="0" smtClean="0"/>
-              <a:t>Meal </a:t>
-            </a:r>
-            <a:r>
-              <a:rPr lang="en-US" dirty="0" smtClean="0"/>
-              <a:t>Planner – The Application</a:t>
-            </a:r>
-            <a:endParaRPr lang="en-US" dirty="0"/>
+              <a:rPr lang="en-US" dirty="0"/>
+              <a:t>Meal Planner – The Application</a:t>
+            </a:r>
           </a:p>
         </p:txBody>
       </p:sp>
@@ -7368,41 +7380,36 @@
           <a:lstStyle/>
           <a:p>
             <a:r>
-              <a:rPr lang="en-US" dirty="0" smtClean="0"/>
+              <a:rPr lang="en-US" dirty="0"/>
               <a:t>Allows for personal individual data thru registration.</a:t>
             </a:r>
           </a:p>
           <a:p>
             <a:r>
-              <a:rPr lang="en-US" dirty="0" smtClean="0"/>
-              <a:t>Allows for flexibility to add recipes, or select from the database</a:t>
-            </a:r>
-            <a:r>
-              <a:rPr lang="en-US" dirty="0" smtClean="0"/>
-              <a:t>.</a:t>
-            </a:r>
-          </a:p>
-          <a:p>
-            <a:r>
-              <a:rPr lang="en-US" dirty="0" smtClean="0"/>
+              <a:rPr lang="en-US" dirty="0"/>
+              <a:t>Allows for flexibility to add recipes, or select from the database.</a:t>
+            </a:r>
+          </a:p>
+          <a:p>
+            <a:r>
+              <a:rPr lang="en-US" dirty="0"/>
               <a:t>Displays and calculates Nutritional information like Calorie, Fat, Protein, and Carbohydrate count.</a:t>
             </a:r>
           </a:p>
           <a:p>
             <a:r>
-              <a:rPr lang="en-US" dirty="0" smtClean="0"/>
+              <a:rPr lang="en-US" dirty="0"/>
               <a:t>Application goal is to notify user if their combined daily calorie count exceeds their limit.</a:t>
             </a:r>
           </a:p>
           <a:p>
             <a:r>
-              <a:rPr lang="en-US" dirty="0" smtClean="0"/>
+              <a:rPr lang="en-US" dirty="0"/>
               <a:t>Displays a Daily or weekly calendar of their selected meals.</a:t>
             </a:r>
-            <a:endParaRPr lang="en-US" dirty="0" smtClean="0"/>
-          </a:p>
-          <a:p>
-            <a:endParaRPr lang="en-US" dirty="0" smtClean="0"/>
+          </a:p>
+          <a:p>
+            <a:endParaRPr lang="en-US" dirty="0"/>
           </a:p>
           <a:p>
             <a:endParaRPr lang="en-US" dirty="0"/>
@@ -7419,13 +7426,6 @@
   <p:clrMapOvr>
     <a:masterClrMapping/>
   </p:clrMapOvr>
-  <p:timing>
-    <p:tnLst>
-      <p:par>
-        <p:cTn id="1" dur="indefinite" restart="never" nodeType="tmRoot"/>
-      </p:par>
-    </p:tnLst>
-  </p:timing>
 </p:sld>
 </file>
 
@@ -7462,10 +7462,9 @@
           <a:lstStyle/>
           <a:p>
             <a:r>
-              <a:rPr lang="en-US" dirty="0" smtClean="0"/>
+              <a:rPr lang="en-US" dirty="0"/>
               <a:t>Challenges </a:t>
             </a:r>
-            <a:endParaRPr lang="en-US" dirty="0"/>
           </a:p>
         </p:txBody>
       </p:sp>
@@ -7485,46 +7484,46 @@
           <a:lstStyle/>
           <a:p>
             <a:r>
-              <a:rPr lang="en-US" dirty="0" smtClean="0"/>
+              <a:rPr lang="en-US" dirty="0"/>
               <a:t>Design &amp; Implementation</a:t>
             </a:r>
           </a:p>
           <a:p>
             <a:r>
-              <a:rPr lang="en-US" dirty="0" smtClean="0"/>
+              <a:rPr lang="en-US" dirty="0"/>
               <a:t>Technological -   </a:t>
             </a:r>
           </a:p>
           <a:p>
             <a:pPr lvl="1"/>
             <a:r>
-              <a:rPr lang="en-US" dirty="0" smtClean="0"/>
+              <a:rPr lang="en-US" dirty="0"/>
               <a:t>Validation</a:t>
             </a:r>
           </a:p>
           <a:p>
             <a:pPr lvl="1"/>
             <a:r>
-              <a:rPr lang="en-US" dirty="0" err="1" smtClean="0"/>
+              <a:rPr lang="en-US" dirty="0" err="1"/>
               <a:t>Github</a:t>
             </a:r>
-            <a:endParaRPr lang="en-US" dirty="0" smtClean="0"/>
+            <a:endParaRPr lang="en-US" dirty="0"/>
           </a:p>
           <a:p>
             <a:pPr lvl="1"/>
             <a:r>
-              <a:rPr lang="en-US" dirty="0" err="1" smtClean="0"/>
+              <a:rPr lang="en-US" dirty="0" err="1"/>
               <a:t>Combobox</a:t>
             </a:r>
             <a:r>
-              <a:rPr lang="en-US" dirty="0" smtClean="0"/>
+              <a:rPr lang="en-US" dirty="0"/>
               <a:t> / Database</a:t>
             </a:r>
           </a:p>
           <a:p>
             <a:pPr lvl="1"/>
             <a:r>
-              <a:rPr lang="en-US" dirty="0" err="1" smtClean="0"/>
+              <a:rPr lang="en-US" dirty="0" err="1"/>
               <a:t>Datagrids</a:t>
             </a:r>
             <a:endParaRPr lang="en-US" dirty="0"/>
@@ -7595,13 +7594,6 @@
   <p:clrMapOvr>
     <a:masterClrMapping/>
   </p:clrMapOvr>
-  <p:timing>
-    <p:tnLst>
-      <p:par>
-        <p:cTn id="1" dur="indefinite" restart="never" nodeType="tmRoot"/>
-      </p:par>
-    </p:tnLst>
-  </p:timing>
 </p:sld>
 </file>
 
@@ -7638,10 +7630,9 @@
           <a:lstStyle/>
           <a:p>
             <a:r>
-              <a:rPr lang="en-US" dirty="0" smtClean="0"/>
+              <a:rPr lang="en-US" dirty="0"/>
               <a:t>Validation</a:t>
             </a:r>
-            <a:endParaRPr lang="en-US" dirty="0"/>
           </a:p>
         </p:txBody>
       </p:sp>
@@ -7720,7 +7711,7 @@
           <a:lstStyle/>
           <a:p>
             <a:r>
-              <a:rPr lang="en-US" dirty="0" err="1" smtClean="0"/>
+              <a:rPr lang="en-US" dirty="0" err="1"/>
               <a:t>Datagrids</a:t>
             </a:r>
             <a:endParaRPr lang="en-US" dirty="0"/>
@@ -7756,13 +7747,6 @@
   <p:clrMapOvr>
     <a:masterClrMapping/>
   </p:clrMapOvr>
-  <p:timing>
-    <p:tnLst>
-      <p:par>
-        <p:cTn id="1" dur="indefinite" restart="never" nodeType="tmRoot"/>
-      </p:par>
-    </p:tnLst>
-  </p:timing>
 </p:sld>
 </file>
 
@@ -7836,26 +7820,26 @@
           <a:lstStyle/>
           <a:p>
             <a:r>
-              <a:rPr lang="en-US" dirty="0" smtClean="0"/>
+              <a:rPr lang="en-US" dirty="0"/>
               <a:t>Listing items in </a:t>
             </a:r>
             <a:r>
-              <a:rPr lang="en-US" dirty="0" err="1" smtClean="0"/>
+              <a:rPr lang="en-US" dirty="0" err="1"/>
               <a:t>ComboBox</a:t>
             </a:r>
             <a:r>
-              <a:rPr lang="en-US" dirty="0" smtClean="0"/>
+              <a:rPr lang="en-US" dirty="0"/>
               <a:t> from Database.</a:t>
             </a:r>
           </a:p>
           <a:p>
-            <a:endParaRPr lang="en-US" dirty="0" smtClean="0"/>
-          </a:p>
-          <a:p>
-            <a:endParaRPr lang="en-US" dirty="0"/>
-          </a:p>
-          <a:p>
-            <a:endParaRPr lang="en-US" dirty="0" smtClean="0"/>
+            <a:endParaRPr lang="en-US" dirty="0"/>
+          </a:p>
+          <a:p>
+            <a:endParaRPr lang="en-US" dirty="0"/>
+          </a:p>
+          <a:p>
+            <a:endParaRPr lang="en-US" dirty="0"/>
           </a:p>
           <a:p>
             <a:endParaRPr lang="en-US" dirty="0"/>
@@ -7957,80 +7941,84 @@
       </p:grpSpPr>
       <p:sp>
         <p:nvSpPr>
-          <p:cNvPr id="3" name="Content Placeholder 2"/>
-          <p:cNvSpPr>
-            <a:spLocks noGrp="1"/>
-          </p:cNvSpPr>
-          <p:nvPr>
-            <p:ph idx="1"/>
-          </p:nvPr>
-        </p:nvSpPr>
-        <p:spPr>
-          <a:xfrm>
-            <a:off x="1484310" y="1075039"/>
-            <a:ext cx="10018713" cy="4716162"/>
-          </a:xfrm>
-        </p:spPr>
+          <p:cNvPr id="2" name="Title 1"/>
+          <p:cNvSpPr>
+            <a:spLocks noGrp="1"/>
+          </p:cNvSpPr>
+          <p:nvPr>
+            <p:ph type="title"/>
+          </p:nvPr>
+        </p:nvSpPr>
+        <p:spPr/>
         <p:txBody>
           <a:bodyPr/>
           <a:lstStyle/>
           <a:p>
             <a:r>
-              <a:rPr lang="en-US" dirty="0" smtClean="0"/>
-              <a:t>Connecting to another window.</a:t>
-            </a:r>
-          </a:p>
-          <a:p>
-            <a:endParaRPr lang="en-US" dirty="0"/>
-          </a:p>
-          <a:p>
-            <a:endParaRPr lang="en-US" dirty="0" smtClean="0"/>
-          </a:p>
-          <a:p>
-            <a:endParaRPr lang="en-US" dirty="0"/>
-          </a:p>
-          <a:p>
-            <a:endParaRPr lang="en-US" dirty="0" smtClean="0"/>
-          </a:p>
-          <a:p>
+              <a:rPr lang="en-CA" dirty="0"/>
+              <a:t>24 Hours I will never get back!!!</a:t>
+            </a:r>
             <a:endParaRPr lang="en-US" dirty="0"/>
           </a:p>
         </p:txBody>
       </p:sp>
       <p:pic>
         <p:nvPicPr>
-          <p:cNvPr id="5" name="Picture 4"/>
+          <p:cNvPr id="4" name="Content Placeholder 3"/>
           <p:cNvPicPr>
-            <a:picLocks noChangeAspect="1"/>
+            <a:picLocks noGrp="1" noChangeAspect="1"/>
           </p:cNvPicPr>
-          <p:nvPr/>
+          <p:nvPr>
+            <p:ph idx="1"/>
+          </p:nvPr>
         </p:nvPicPr>
         <p:blipFill>
-          <a:blip r:embed="rId2">
-            <a:extLst>
-              <a:ext uri="{28A0092B-C50C-407E-A947-70E740481C1C}">
-                <a14:useLocalDpi xmlns:a14="http://schemas.microsoft.com/office/drawing/2010/main" val="0"/>
-              </a:ext>
-            </a:extLst>
-          </a:blip>
+          <a:blip r:embed="rId2"/>
           <a:stretch>
             <a:fillRect/>
           </a:stretch>
         </p:blipFill>
         <p:spPr>
           <a:xfrm>
-            <a:off x="2269275" y="3065405"/>
-            <a:ext cx="8135114" cy="1889653"/>
+            <a:off x="1192696" y="4326414"/>
+            <a:ext cx="10310328" cy="448642"/>
+          </a:xfrm>
+        </p:spPr>
+      </p:pic>
+      <p:sp>
+        <p:nvSpPr>
+          <p:cNvPr id="5" name="TextBox 4"/>
+          <p:cNvSpPr txBox="1"/>
+          <p:nvPr/>
+        </p:nvSpPr>
+        <p:spPr>
+          <a:xfrm>
+            <a:off x="1818861" y="3200400"/>
+            <a:ext cx="7017026" cy="369332"/>
           </a:xfrm>
           <a:prstGeom prst="rect">
             <a:avLst/>
           </a:prstGeom>
+          <a:noFill/>
         </p:spPr>
-      </p:pic>
+        <p:txBody>
+          <a:bodyPr wrap="square" rtlCol="0">
+            <a:spAutoFit/>
+          </a:bodyPr>
+          <a:lstStyle/>
+          <a:p>
+            <a:r>
+              <a:rPr lang="en-CA" dirty="0"/>
+              <a:t>Do not call your User table “USER”, unless you include the brackets!!!!</a:t>
+            </a:r>
+            <a:endParaRPr lang="en-US" dirty="0"/>
+          </a:p>
+        </p:txBody>
+      </p:sp>
     </p:spTree>
     <p:extLst>
       <p:ext uri="{BB962C8B-B14F-4D97-AF65-F5344CB8AC3E}">
-        <p14:creationId xmlns:p14="http://schemas.microsoft.com/office/powerpoint/2010/main" val="1833283282"/>
+        <p14:creationId xmlns:p14="http://schemas.microsoft.com/office/powerpoint/2010/main" val="2828478784"/>
       </p:ext>
     </p:extLst>
   </p:cSld>

--- a/ProjectHealthPPT.pptx
+++ b/ProjectHealthPPT.pptx
@@ -6832,14 +6832,19 @@
             <p:ph type="title"/>
           </p:nvPr>
         </p:nvSpPr>
-        <p:spPr/>
+        <p:spPr>
+          <a:xfrm>
+            <a:off x="1484312" y="685800"/>
+            <a:ext cx="6000222" cy="1752599"/>
+          </a:xfrm>
+        </p:spPr>
         <p:txBody>
           <a:bodyPr/>
           <a:lstStyle/>
           <a:p>
             <a:r>
               <a:rPr lang="en-US" dirty="0"/>
-              <a:t>Future Upgrades</a:t>
+              <a:t>Future Upgrades   </a:t>
             </a:r>
           </a:p>
         </p:txBody>
@@ -6883,6 +6888,30 @@
           </a:p>
         </p:txBody>
       </p:sp>
+      <p:pic>
+        <p:nvPicPr>
+          <p:cNvPr id="4" name="Picture 3"/>
+          <p:cNvPicPr>
+            <a:picLocks noChangeAspect="1"/>
+          </p:cNvPicPr>
+          <p:nvPr/>
+        </p:nvPicPr>
+        <p:blipFill>
+          <a:blip r:embed="rId2"/>
+          <a:stretch>
+            <a:fillRect/>
+          </a:stretch>
+        </p:blipFill>
+        <p:spPr>
+          <a:xfrm>
+            <a:off x="6542355" y="444499"/>
+            <a:ext cx="4960667" cy="2620434"/>
+          </a:xfrm>
+          <a:prstGeom prst="rect">
+            <a:avLst/>
+          </a:prstGeom>
+        </p:spPr>
+      </p:pic>
     </p:spTree>
     <p:extLst>
       <p:ext uri="{BB962C8B-B14F-4D97-AF65-F5344CB8AC3E}">
@@ -7310,6 +7339,30 @@
           </a:p>
         </p:txBody>
       </p:sp>
+      <p:pic>
+        <p:nvPicPr>
+          <p:cNvPr id="4" name="Picture 3"/>
+          <p:cNvPicPr>
+            <a:picLocks noChangeAspect="1"/>
+          </p:cNvPicPr>
+          <p:nvPr/>
+        </p:nvPicPr>
+        <p:blipFill>
+          <a:blip r:embed="rId2"/>
+          <a:stretch>
+            <a:fillRect/>
+          </a:stretch>
+        </p:blipFill>
+        <p:spPr>
+          <a:xfrm>
+            <a:off x="9050867" y="2282824"/>
+            <a:ext cx="2294467" cy="2170643"/>
+          </a:xfrm>
+          <a:prstGeom prst="rect">
+            <a:avLst/>
+          </a:prstGeom>
+        </p:spPr>
+      </p:pic>
     </p:spTree>
     <p:extLst>
       <p:ext uri="{BB962C8B-B14F-4D97-AF65-F5344CB8AC3E}">
@@ -7663,6 +7716,30 @@
             <a:off x="1355080" y="2310713"/>
             <a:ext cx="10680401" cy="2726639"/>
           </a:xfrm>
+        </p:spPr>
+      </p:pic>
+      <p:pic>
+        <p:nvPicPr>
+          <p:cNvPr id="3" name="Picture 2"/>
+          <p:cNvPicPr>
+            <a:picLocks noChangeAspect="1"/>
+          </p:cNvPicPr>
+          <p:nvPr/>
+        </p:nvPicPr>
+        <p:blipFill>
+          <a:blip r:embed="rId3"/>
+          <a:stretch>
+            <a:fillRect/>
+          </a:stretch>
+        </p:blipFill>
+        <p:spPr>
+          <a:xfrm>
+            <a:off x="8331198" y="423334"/>
+            <a:ext cx="3488267" cy="1312460"/>
+          </a:xfrm>
+          <a:prstGeom prst="rect">
+            <a:avLst/>
+          </a:prstGeom>
         </p:spPr>
       </p:pic>
     </p:spTree>
@@ -8015,6 +8092,30 @@
           </a:p>
         </p:txBody>
       </p:sp>
+      <p:pic>
+        <p:nvPicPr>
+          <p:cNvPr id="3" name="Picture 2"/>
+          <p:cNvPicPr>
+            <a:picLocks noChangeAspect="1"/>
+          </p:cNvPicPr>
+          <p:nvPr/>
+        </p:nvPicPr>
+        <p:blipFill>
+          <a:blip r:embed="rId3"/>
+          <a:stretch>
+            <a:fillRect/>
+          </a:stretch>
+        </p:blipFill>
+        <p:spPr>
+          <a:xfrm>
+            <a:off x="9448800" y="1965325"/>
+            <a:ext cx="1794933" cy="2112407"/>
+          </a:xfrm>
+          <a:prstGeom prst="rect">
+            <a:avLst/>
+          </a:prstGeom>
+        </p:spPr>
+      </p:pic>
     </p:spTree>
     <p:extLst>
       <p:ext uri="{BB962C8B-B14F-4D97-AF65-F5344CB8AC3E}">

--- a/ProjectHealthPPT.pptx
+++ b/ProjectHealthPPT.pptx
@@ -5,7 +5,7 @@
     <p:sldMasterId id="2147483875" r:id="rId1"/>
   </p:sldMasterIdLst>
   <p:notesMasterIdLst>
-    <p:notesMasterId r:id="rId15"/>
+    <p:notesMasterId r:id="rId16"/>
   </p:notesMasterIdLst>
   <p:sldIdLst>
     <p:sldId id="256" r:id="rId2"/>
@@ -13,14 +13,15 @@
     <p:sldId id="258" r:id="rId4"/>
     <p:sldId id="259" r:id="rId5"/>
     <p:sldId id="260" r:id="rId6"/>
-    <p:sldId id="265" r:id="rId7"/>
-    <p:sldId id="261" r:id="rId8"/>
-    <p:sldId id="262" r:id="rId9"/>
-    <p:sldId id="269" r:id="rId10"/>
-    <p:sldId id="268" r:id="rId11"/>
-    <p:sldId id="263" r:id="rId12"/>
-    <p:sldId id="264" r:id="rId13"/>
-    <p:sldId id="266" r:id="rId14"/>
+    <p:sldId id="270" r:id="rId7"/>
+    <p:sldId id="271" r:id="rId8"/>
+    <p:sldId id="265" r:id="rId9"/>
+    <p:sldId id="262" r:id="rId10"/>
+    <p:sldId id="269" r:id="rId11"/>
+    <p:sldId id="268" r:id="rId12"/>
+    <p:sldId id="263" r:id="rId13"/>
+    <p:sldId id="264" r:id="rId14"/>
+    <p:sldId id="266" r:id="rId15"/>
   </p:sldIdLst>
   <p:sldSz cx="12192000" cy="6858000"/>
   <p:notesSz cx="6858000" cy="9144000"/>
@@ -6722,6 +6723,136 @@
       </p:grpSpPr>
       <p:sp>
         <p:nvSpPr>
+          <p:cNvPr id="2" name="Title 1"/>
+          <p:cNvSpPr>
+            <a:spLocks noGrp="1"/>
+          </p:cNvSpPr>
+          <p:nvPr>
+            <p:ph type="title"/>
+          </p:nvPr>
+        </p:nvSpPr>
+        <p:spPr/>
+        <p:txBody>
+          <a:bodyPr/>
+          <a:lstStyle/>
+          <a:p>
+            <a:r>
+              <a:rPr lang="en-CA" dirty="0"/>
+              <a:t>24 Hours I will never get back!!!</a:t>
+            </a:r>
+            <a:endParaRPr lang="en-US" dirty="0"/>
+          </a:p>
+        </p:txBody>
+      </p:sp>
+      <p:pic>
+        <p:nvPicPr>
+          <p:cNvPr id="4" name="Content Placeholder 3"/>
+          <p:cNvPicPr>
+            <a:picLocks noGrp="1" noChangeAspect="1"/>
+          </p:cNvPicPr>
+          <p:nvPr>
+            <p:ph idx="1"/>
+          </p:nvPr>
+        </p:nvPicPr>
+        <p:blipFill>
+          <a:blip r:embed="rId2"/>
+          <a:stretch>
+            <a:fillRect/>
+          </a:stretch>
+        </p:blipFill>
+        <p:spPr>
+          <a:xfrm>
+            <a:off x="1192696" y="4326414"/>
+            <a:ext cx="10310328" cy="448642"/>
+          </a:xfrm>
+        </p:spPr>
+      </p:pic>
+      <p:sp>
+        <p:nvSpPr>
+          <p:cNvPr id="5" name="TextBox 4"/>
+          <p:cNvSpPr txBox="1"/>
+          <p:nvPr/>
+        </p:nvSpPr>
+        <p:spPr>
+          <a:xfrm>
+            <a:off x="1818861" y="3200400"/>
+            <a:ext cx="7017026" cy="369332"/>
+          </a:xfrm>
+          <a:prstGeom prst="rect">
+            <a:avLst/>
+          </a:prstGeom>
+          <a:noFill/>
+        </p:spPr>
+        <p:txBody>
+          <a:bodyPr wrap="square" rtlCol="0">
+            <a:spAutoFit/>
+          </a:bodyPr>
+          <a:lstStyle/>
+          <a:p>
+            <a:r>
+              <a:rPr lang="en-CA" dirty="0"/>
+              <a:t>Do not call your User table “USER”, unless you include the brackets!!!!</a:t>
+            </a:r>
+            <a:endParaRPr lang="en-US" dirty="0"/>
+          </a:p>
+        </p:txBody>
+      </p:sp>
+      <p:pic>
+        <p:nvPicPr>
+          <p:cNvPr id="3" name="Picture 2"/>
+          <p:cNvPicPr>
+            <a:picLocks noChangeAspect="1"/>
+          </p:cNvPicPr>
+          <p:nvPr/>
+        </p:nvPicPr>
+        <p:blipFill>
+          <a:blip r:embed="rId3"/>
+          <a:stretch>
+            <a:fillRect/>
+          </a:stretch>
+        </p:blipFill>
+        <p:spPr>
+          <a:xfrm>
+            <a:off x="9448800" y="1965325"/>
+            <a:ext cx="1794933" cy="2112407"/>
+          </a:xfrm>
+          <a:prstGeom prst="rect">
+            <a:avLst/>
+          </a:prstGeom>
+        </p:spPr>
+      </p:pic>
+    </p:spTree>
+    <p:extLst>
+      <p:ext uri="{BB962C8B-B14F-4D97-AF65-F5344CB8AC3E}">
+        <p14:creationId xmlns:p14="http://schemas.microsoft.com/office/powerpoint/2010/main" val="2828478784"/>
+      </p:ext>
+    </p:extLst>
+  </p:cSld>
+  <p:clrMapOvr>
+    <a:masterClrMapping/>
+  </p:clrMapOvr>
+</p:sld>
+</file>
+
+<file path=ppt/slides/slide11.xml><?xml version="1.0" encoding="utf-8"?>
+<p:sld xmlns:a="http://schemas.openxmlformats.org/drawingml/2006/main" xmlns:r="http://schemas.openxmlformats.org/officeDocument/2006/relationships" xmlns:p="http://schemas.openxmlformats.org/presentationml/2006/main">
+  <p:cSld>
+    <p:spTree>
+      <p:nvGrpSpPr>
+        <p:cNvPr id="1" name=""/>
+        <p:cNvGrpSpPr/>
+        <p:nvPr/>
+      </p:nvGrpSpPr>
+      <p:grpSpPr>
+        <a:xfrm>
+          <a:off x="0" y="0"/>
+          <a:ext cx="0" cy="0"/>
+          <a:chOff x="0" y="0"/>
+          <a:chExt cx="0" cy="0"/>
+        </a:xfrm>
+      </p:grpSpPr>
+      <p:sp>
+        <p:nvSpPr>
           <p:cNvPr id="3" name="Content Placeholder 2"/>
           <p:cNvSpPr>
             <a:spLocks noGrp="1"/>
@@ -6805,7 +6936,7 @@
 </p:sld>
 </file>
 
-<file path=ppt/slides/slide11.xml><?xml version="1.0" encoding="utf-8"?>
+<file path=ppt/slides/slide12.xml><?xml version="1.0" encoding="utf-8"?>
 <p:sld xmlns:a="http://schemas.openxmlformats.org/drawingml/2006/main" xmlns:r="http://schemas.openxmlformats.org/officeDocument/2006/relationships" xmlns:p="http://schemas.openxmlformats.org/presentationml/2006/main">
   <p:cSld>
     <p:spTree>
@@ -6925,7 +7056,7 @@
 </p:sld>
 </file>
 
-<file path=ppt/slides/slide12.xml><?xml version="1.0" encoding="utf-8"?>
+<file path=ppt/slides/slide13.xml><?xml version="1.0" encoding="utf-8"?>
 <p:sld xmlns:a="http://schemas.openxmlformats.org/drawingml/2006/main" xmlns:r="http://schemas.openxmlformats.org/officeDocument/2006/relationships" xmlns:p="http://schemas.openxmlformats.org/presentationml/2006/main">
   <p:cSld>
     <p:spTree>
@@ -6985,7 +7116,7 @@
 </p:sld>
 </file>
 
-<file path=ppt/slides/slide13.xml><?xml version="1.0" encoding="utf-8"?>
+<file path=ppt/slides/slide14.xml><?xml version="1.0" encoding="utf-8"?>
 <p:sld xmlns:a="http://schemas.openxmlformats.org/drawingml/2006/main" xmlns:r="http://schemas.openxmlformats.org/officeDocument/2006/relationships" xmlns:p="http://schemas.openxmlformats.org/presentationml/2006/main">
   <p:cSld>
     <p:spTree>
@@ -7667,6 +7798,192 @@
           <a:chExt cx="0" cy="0"/>
         </a:xfrm>
       </p:grpSpPr>
+      <p:pic>
+        <p:nvPicPr>
+          <p:cNvPr id="2" name="Picture 1"/>
+          <p:cNvPicPr>
+            <a:picLocks noChangeAspect="1"/>
+          </p:cNvPicPr>
+          <p:nvPr/>
+        </p:nvPicPr>
+        <p:blipFill>
+          <a:blip r:embed="rId2">
+            <a:extLst>
+              <a:ext uri="{28A0092B-C50C-407E-A947-70E740481C1C}">
+                <a14:useLocalDpi xmlns:a14="http://schemas.microsoft.com/office/drawing/2010/main" val="0"/>
+              </a:ext>
+            </a:extLst>
+          </a:blip>
+          <a:stretch>
+            <a:fillRect/>
+          </a:stretch>
+        </p:blipFill>
+        <p:spPr>
+          <a:xfrm>
+            <a:off x="3025177" y="842683"/>
+            <a:ext cx="6818069" cy="4536738"/>
+          </a:xfrm>
+          <a:prstGeom prst="rect">
+            <a:avLst/>
+          </a:prstGeom>
+        </p:spPr>
+      </p:pic>
+      <p:sp>
+        <p:nvSpPr>
+          <p:cNvPr id="3" name="TextBox 2"/>
+          <p:cNvSpPr txBox="1"/>
+          <p:nvPr/>
+        </p:nvSpPr>
+        <p:spPr>
+          <a:xfrm>
+            <a:off x="3614057" y="5878286"/>
+            <a:ext cx="5558972" cy="369332"/>
+          </a:xfrm>
+          <a:prstGeom prst="rect">
+            <a:avLst/>
+          </a:prstGeom>
+          <a:noFill/>
+        </p:spPr>
+        <p:txBody>
+          <a:bodyPr wrap="square" rtlCol="0">
+            <a:spAutoFit/>
+          </a:bodyPr>
+          <a:lstStyle/>
+          <a:p>
+            <a:pPr algn="ctr"/>
+            <a:r>
+              <a:rPr lang="en-US" dirty="0" smtClean="0"/>
+              <a:t>User Registration</a:t>
+            </a:r>
+            <a:endParaRPr lang="en-US" dirty="0"/>
+          </a:p>
+        </p:txBody>
+      </p:sp>
+    </p:spTree>
+    <p:extLst>
+      <p:ext uri="{BB962C8B-B14F-4D97-AF65-F5344CB8AC3E}">
+        <p14:creationId xmlns:p14="http://schemas.microsoft.com/office/powerpoint/2010/main" val="1565880292"/>
+      </p:ext>
+    </p:extLst>
+  </p:cSld>
+  <p:clrMapOvr>
+    <a:masterClrMapping/>
+  </p:clrMapOvr>
+</p:sld>
+</file>
+
+<file path=ppt/slides/slide7.xml><?xml version="1.0" encoding="utf-8"?>
+<p:sld xmlns:a="http://schemas.openxmlformats.org/drawingml/2006/main" xmlns:r="http://schemas.openxmlformats.org/officeDocument/2006/relationships" xmlns:p="http://schemas.openxmlformats.org/presentationml/2006/main">
+  <p:cSld>
+    <p:spTree>
+      <p:nvGrpSpPr>
+        <p:cNvPr id="1" name=""/>
+        <p:cNvGrpSpPr/>
+        <p:nvPr/>
+      </p:nvGrpSpPr>
+      <p:grpSpPr>
+        <a:xfrm>
+          <a:off x="0" y="0"/>
+          <a:ext cx="0" cy="0"/>
+          <a:chOff x="0" y="0"/>
+          <a:chExt cx="0" cy="0"/>
+        </a:xfrm>
+      </p:grpSpPr>
+      <p:pic>
+        <p:nvPicPr>
+          <p:cNvPr id="2" name="Picture 1"/>
+          <p:cNvPicPr>
+            <a:picLocks noChangeAspect="1"/>
+          </p:cNvPicPr>
+          <p:nvPr/>
+        </p:nvPicPr>
+        <p:blipFill>
+          <a:blip r:embed="rId2">
+            <a:extLst>
+              <a:ext uri="{28A0092B-C50C-407E-A947-70E740481C1C}">
+                <a14:useLocalDpi xmlns:a14="http://schemas.microsoft.com/office/drawing/2010/main" val="0"/>
+              </a:ext>
+            </a:extLst>
+          </a:blip>
+          <a:stretch>
+            <a:fillRect/>
+          </a:stretch>
+        </p:blipFill>
+        <p:spPr>
+          <a:xfrm>
+            <a:off x="3135640" y="537883"/>
+            <a:ext cx="7155841" cy="5146976"/>
+          </a:xfrm>
+          <a:prstGeom prst="rect">
+            <a:avLst/>
+          </a:prstGeom>
+        </p:spPr>
+      </p:pic>
+      <p:sp>
+        <p:nvSpPr>
+          <p:cNvPr id="3" name="TextBox 2"/>
+          <p:cNvSpPr txBox="1"/>
+          <p:nvPr/>
+        </p:nvSpPr>
+        <p:spPr>
+          <a:xfrm>
+            <a:off x="3381829" y="6081485"/>
+            <a:ext cx="6473371" cy="369332"/>
+          </a:xfrm>
+          <a:prstGeom prst="rect">
+            <a:avLst/>
+          </a:prstGeom>
+          <a:noFill/>
+        </p:spPr>
+        <p:txBody>
+          <a:bodyPr wrap="square" rtlCol="0">
+            <a:spAutoFit/>
+          </a:bodyPr>
+          <a:lstStyle/>
+          <a:p>
+            <a:pPr algn="ctr"/>
+            <a:r>
+              <a:rPr lang="en-US" dirty="0" err="1" smtClean="0"/>
+              <a:t>MealPicker</a:t>
+            </a:r>
+            <a:r>
+              <a:rPr lang="en-US" dirty="0" smtClean="0"/>
+              <a:t> Window</a:t>
+            </a:r>
+            <a:endParaRPr lang="en-US" dirty="0"/>
+          </a:p>
+        </p:txBody>
+      </p:sp>
+    </p:spTree>
+    <p:extLst>
+      <p:ext uri="{BB962C8B-B14F-4D97-AF65-F5344CB8AC3E}">
+        <p14:creationId xmlns:p14="http://schemas.microsoft.com/office/powerpoint/2010/main" val="3540655919"/>
+      </p:ext>
+    </p:extLst>
+  </p:cSld>
+  <p:clrMapOvr>
+    <a:masterClrMapping/>
+  </p:clrMapOvr>
+</p:sld>
+</file>
+
+<file path=ppt/slides/slide8.xml><?xml version="1.0" encoding="utf-8"?>
+<p:sld xmlns:a="http://schemas.openxmlformats.org/drawingml/2006/main" xmlns:r="http://schemas.openxmlformats.org/officeDocument/2006/relationships" xmlns:p="http://schemas.openxmlformats.org/presentationml/2006/main">
+  <p:cSld>
+    <p:spTree>
+      <p:nvGrpSpPr>
+        <p:cNvPr id="1" name=""/>
+        <p:cNvGrpSpPr/>
+        <p:nvPr/>
+      </p:nvGrpSpPr>
+      <p:grpSpPr>
+        <a:xfrm>
+          <a:off x="0" y="0"/>
+          <a:ext cx="0" cy="0"/>
+          <a:chOff x="0" y="0"/>
+          <a:chExt cx="0" cy="0"/>
+        </a:xfrm>
+      </p:grpSpPr>
       <p:sp>
         <p:nvSpPr>
           <p:cNvPr id="2" name="Title 1"/>
@@ -7755,79 +8072,7 @@
 </p:sld>
 </file>
 
-<file path=ppt/slides/slide7.xml><?xml version="1.0" encoding="utf-8"?>
-<p:sld xmlns:a="http://schemas.openxmlformats.org/drawingml/2006/main" xmlns:r="http://schemas.openxmlformats.org/officeDocument/2006/relationships" xmlns:p="http://schemas.openxmlformats.org/presentationml/2006/main">
-  <p:cSld>
-    <p:spTree>
-      <p:nvGrpSpPr>
-        <p:cNvPr id="1" name=""/>
-        <p:cNvGrpSpPr/>
-        <p:nvPr/>
-      </p:nvGrpSpPr>
-      <p:grpSpPr>
-        <a:xfrm>
-          <a:off x="0" y="0"/>
-          <a:ext cx="0" cy="0"/>
-          <a:chOff x="0" y="0"/>
-          <a:chExt cx="0" cy="0"/>
-        </a:xfrm>
-      </p:grpSpPr>
-      <p:sp>
-        <p:nvSpPr>
-          <p:cNvPr id="2" name="Title 1"/>
-          <p:cNvSpPr>
-            <a:spLocks noGrp="1"/>
-          </p:cNvSpPr>
-          <p:nvPr>
-            <p:ph type="title"/>
-          </p:nvPr>
-        </p:nvSpPr>
-        <p:spPr/>
-        <p:txBody>
-          <a:bodyPr/>
-          <a:lstStyle/>
-          <a:p>
-            <a:r>
-              <a:rPr lang="en-US" dirty="0" err="1"/>
-              <a:t>Datagrids</a:t>
-            </a:r>
-            <a:endParaRPr lang="en-US" dirty="0"/>
-          </a:p>
-        </p:txBody>
-      </p:sp>
-      <p:sp>
-        <p:nvSpPr>
-          <p:cNvPr id="3" name="Content Placeholder 2"/>
-          <p:cNvSpPr>
-            <a:spLocks noGrp="1"/>
-          </p:cNvSpPr>
-          <p:nvPr>
-            <p:ph idx="1"/>
-          </p:nvPr>
-        </p:nvSpPr>
-        <p:spPr/>
-        <p:txBody>
-          <a:bodyPr/>
-          <a:lstStyle/>
-          <a:p>
-            <a:endParaRPr lang="en-US"/>
-          </a:p>
-        </p:txBody>
-      </p:sp>
-    </p:spTree>
-    <p:extLst>
-      <p:ext uri="{BB962C8B-B14F-4D97-AF65-F5344CB8AC3E}">
-        <p14:creationId xmlns:p14="http://schemas.microsoft.com/office/powerpoint/2010/main" val="398625562"/>
-      </p:ext>
-    </p:extLst>
-  </p:cSld>
-  <p:clrMapOvr>
-    <a:masterClrMapping/>
-  </p:clrMapOvr>
-</p:sld>
-</file>
-
-<file path=ppt/slides/slide8.xml><?xml version="1.0" encoding="utf-8"?>
+<file path=ppt/slides/slide9.xml><?xml version="1.0" encoding="utf-8"?>
 <p:sld xmlns:a="http://schemas.openxmlformats.org/drawingml/2006/main" xmlns:r="http://schemas.openxmlformats.org/officeDocument/2006/relationships" xmlns:p="http://schemas.openxmlformats.org/presentationml/2006/main">
   <p:cSld>
     <p:spTree>
@@ -7990,136 +8235,6 @@
     <p:extLst>
       <p:ext uri="{BB962C8B-B14F-4D97-AF65-F5344CB8AC3E}">
         <p14:creationId xmlns:p14="http://schemas.microsoft.com/office/powerpoint/2010/main" val="1552215310"/>
-      </p:ext>
-    </p:extLst>
-  </p:cSld>
-  <p:clrMapOvr>
-    <a:masterClrMapping/>
-  </p:clrMapOvr>
-</p:sld>
-</file>
-
-<file path=ppt/slides/slide9.xml><?xml version="1.0" encoding="utf-8"?>
-<p:sld xmlns:a="http://schemas.openxmlformats.org/drawingml/2006/main" xmlns:r="http://schemas.openxmlformats.org/officeDocument/2006/relationships" xmlns:p="http://schemas.openxmlformats.org/presentationml/2006/main">
-  <p:cSld>
-    <p:spTree>
-      <p:nvGrpSpPr>
-        <p:cNvPr id="1" name=""/>
-        <p:cNvGrpSpPr/>
-        <p:nvPr/>
-      </p:nvGrpSpPr>
-      <p:grpSpPr>
-        <a:xfrm>
-          <a:off x="0" y="0"/>
-          <a:ext cx="0" cy="0"/>
-          <a:chOff x="0" y="0"/>
-          <a:chExt cx="0" cy="0"/>
-        </a:xfrm>
-      </p:grpSpPr>
-      <p:sp>
-        <p:nvSpPr>
-          <p:cNvPr id="2" name="Title 1"/>
-          <p:cNvSpPr>
-            <a:spLocks noGrp="1"/>
-          </p:cNvSpPr>
-          <p:nvPr>
-            <p:ph type="title"/>
-          </p:nvPr>
-        </p:nvSpPr>
-        <p:spPr/>
-        <p:txBody>
-          <a:bodyPr/>
-          <a:lstStyle/>
-          <a:p>
-            <a:r>
-              <a:rPr lang="en-CA" dirty="0"/>
-              <a:t>24 Hours I will never get back!!!</a:t>
-            </a:r>
-            <a:endParaRPr lang="en-US" dirty="0"/>
-          </a:p>
-        </p:txBody>
-      </p:sp>
-      <p:pic>
-        <p:nvPicPr>
-          <p:cNvPr id="4" name="Content Placeholder 3"/>
-          <p:cNvPicPr>
-            <a:picLocks noGrp="1" noChangeAspect="1"/>
-          </p:cNvPicPr>
-          <p:nvPr>
-            <p:ph idx="1"/>
-          </p:nvPr>
-        </p:nvPicPr>
-        <p:blipFill>
-          <a:blip r:embed="rId2"/>
-          <a:stretch>
-            <a:fillRect/>
-          </a:stretch>
-        </p:blipFill>
-        <p:spPr>
-          <a:xfrm>
-            <a:off x="1192696" y="4326414"/>
-            <a:ext cx="10310328" cy="448642"/>
-          </a:xfrm>
-        </p:spPr>
-      </p:pic>
-      <p:sp>
-        <p:nvSpPr>
-          <p:cNvPr id="5" name="TextBox 4"/>
-          <p:cNvSpPr txBox="1"/>
-          <p:nvPr/>
-        </p:nvSpPr>
-        <p:spPr>
-          <a:xfrm>
-            <a:off x="1818861" y="3200400"/>
-            <a:ext cx="7017026" cy="369332"/>
-          </a:xfrm>
-          <a:prstGeom prst="rect">
-            <a:avLst/>
-          </a:prstGeom>
-          <a:noFill/>
-        </p:spPr>
-        <p:txBody>
-          <a:bodyPr wrap="square" rtlCol="0">
-            <a:spAutoFit/>
-          </a:bodyPr>
-          <a:lstStyle/>
-          <a:p>
-            <a:r>
-              <a:rPr lang="en-CA" dirty="0"/>
-              <a:t>Do not call your User table “USER”, unless you include the brackets!!!!</a:t>
-            </a:r>
-            <a:endParaRPr lang="en-US" dirty="0"/>
-          </a:p>
-        </p:txBody>
-      </p:sp>
-      <p:pic>
-        <p:nvPicPr>
-          <p:cNvPr id="3" name="Picture 2"/>
-          <p:cNvPicPr>
-            <a:picLocks noChangeAspect="1"/>
-          </p:cNvPicPr>
-          <p:nvPr/>
-        </p:nvPicPr>
-        <p:blipFill>
-          <a:blip r:embed="rId3"/>
-          <a:stretch>
-            <a:fillRect/>
-          </a:stretch>
-        </p:blipFill>
-        <p:spPr>
-          <a:xfrm>
-            <a:off x="9448800" y="1965325"/>
-            <a:ext cx="1794933" cy="2112407"/>
-          </a:xfrm>
-          <a:prstGeom prst="rect">
-            <a:avLst/>
-          </a:prstGeom>
-        </p:spPr>
-      </p:pic>
-    </p:spTree>
-    <p:extLst>
-      <p:ext uri="{BB962C8B-B14F-4D97-AF65-F5344CB8AC3E}">
-        <p14:creationId xmlns:p14="http://schemas.microsoft.com/office/powerpoint/2010/main" val="2828478784"/>
       </p:ext>
     </p:extLst>
   </p:cSld>
